--- a/FIL - ADA.pptx
+++ b/FIL - ADA.pptx
@@ -566,55 +566,6 @@
       </p:sp>
       <p:sp>
         <p:nvSpPr>
-          <p:cNvPr id="8" name="Rectangle 7"/>
-          <p:cNvSpPr/>
-          <p:nvPr userDrawn="1"/>
-        </p:nvSpPr>
-        <p:spPr>
-          <a:xfrm>
-            <a:off x="0" y="37444959"/>
-            <a:ext cx="30267275" cy="5349279"/>
-          </a:xfrm>
-          <a:prstGeom prst="rect">
-            <a:avLst/>
-          </a:prstGeom>
-          <a:solidFill>
-            <a:schemeClr val="accent1">
-              <a:lumMod val="40000"/>
-              <a:lumOff val="60000"/>
-            </a:schemeClr>
-          </a:solidFill>
-          <a:ln>
-            <a:noFill/>
-          </a:ln>
-        </p:spPr>
-        <p:style>
-          <a:lnRef idx="2">
-            <a:schemeClr val="accent1">
-              <a:shade val="50000"/>
-            </a:schemeClr>
-          </a:lnRef>
-          <a:fillRef idx="1">
-            <a:schemeClr val="accent1"/>
-          </a:fillRef>
-          <a:effectRef idx="0">
-            <a:schemeClr val="accent1"/>
-          </a:effectRef>
-          <a:fontRef idx="minor">
-            <a:schemeClr val="lt1"/>
-          </a:fontRef>
-        </p:style>
-        <p:txBody>
-          <a:bodyPr lIns="86970" tIns="43485" rIns="86970" bIns="43485" rtlCol="0" anchor="ctr"/>
-          <a:lstStyle/>
-          <a:p>
-            <a:pPr algn="ctr"/>
-            <a:endParaRPr lang="en-US" dirty="0"/>
-          </a:p>
-        </p:txBody>
-      </p:sp>
-      <p:sp>
-        <p:nvSpPr>
           <p:cNvPr id="9" name="Instructions"/>
           <p:cNvSpPr/>
           <p:nvPr userDrawn="1"/>
@@ -3052,252 +3003,6 @@
       </p:sp>
       <p:sp>
         <p:nvSpPr>
-          <p:cNvPr id="24" name="TextBox 23"/>
-          <p:cNvSpPr txBox="1"/>
-          <p:nvPr/>
-        </p:nvSpPr>
-        <p:spPr>
-          <a:xfrm>
-            <a:off x="1261136" y="39049741"/>
-            <a:ext cx="3286643" cy="2395637"/>
-          </a:xfrm>
-          <a:prstGeom prst="rect">
-            <a:avLst/>
-          </a:prstGeom>
-          <a:solidFill>
-            <a:schemeClr val="accent1">
-              <a:lumMod val="40000"/>
-              <a:lumOff val="60000"/>
-            </a:schemeClr>
-          </a:solidFill>
-        </p:spPr>
-        <p:txBody>
-          <a:bodyPr wrap="none" lIns="86970" tIns="43485" rIns="86970" bIns="43485" rtlCol="0">
-            <a:spAutoFit/>
-          </a:bodyPr>
-          <a:lstStyle/>
-          <a:p>
-            <a:r>
-              <a:rPr lang="en-US" sz="3000" dirty="0"/>
-              <a:t>&lt;your name&gt;</a:t>
-            </a:r>
-          </a:p>
-          <a:p>
-            <a:r>
-              <a:rPr lang="en-US" sz="3000" dirty="0"/>
-              <a:t>&lt;your organization&gt;</a:t>
-            </a:r>
-          </a:p>
-          <a:p>
-            <a:r>
-              <a:rPr lang="en-US" sz="3000" dirty="0"/>
-              <a:t>Email:</a:t>
-            </a:r>
-          </a:p>
-          <a:p>
-            <a:r>
-              <a:rPr lang="en-US" sz="3000" dirty="0"/>
-              <a:t>Website:</a:t>
-            </a:r>
-          </a:p>
-          <a:p>
-            <a:r>
-              <a:rPr lang="en-US" sz="3000" dirty="0"/>
-              <a:t>Phone:</a:t>
-            </a:r>
-          </a:p>
-        </p:txBody>
-      </p:sp>
-      <p:sp>
-        <p:nvSpPr>
-          <p:cNvPr id="25" name="TextBox 24"/>
-          <p:cNvSpPr txBox="1"/>
-          <p:nvPr/>
-        </p:nvSpPr>
-        <p:spPr>
-          <a:xfrm>
-            <a:off x="1261136" y="37890733"/>
-            <a:ext cx="2385859" cy="918816"/>
-          </a:xfrm>
-          <a:prstGeom prst="rect">
-            <a:avLst/>
-          </a:prstGeom>
-          <a:noFill/>
-        </p:spPr>
-        <p:txBody>
-          <a:bodyPr wrap="none" lIns="86970" tIns="43485" rIns="86970" bIns="43485" rtlCol="0">
-            <a:spAutoFit/>
-          </a:bodyPr>
-          <a:lstStyle/>
-          <a:p>
-            <a:r>
-              <a:rPr lang="en-US" sz="5400" b="1" dirty="0"/>
-              <a:t>Contact</a:t>
-            </a:r>
-          </a:p>
-        </p:txBody>
-      </p:sp>
-      <p:sp>
-        <p:nvSpPr>
-          <p:cNvPr id="26" name="TextBox 25"/>
-          <p:cNvSpPr txBox="1"/>
-          <p:nvPr/>
-        </p:nvSpPr>
-        <p:spPr>
-          <a:xfrm>
-            <a:off x="15133638" y="39049741"/>
-            <a:ext cx="13452122" cy="2852949"/>
-          </a:xfrm>
-          <a:prstGeom prst="rect">
-            <a:avLst/>
-          </a:prstGeom>
-          <a:noFill/>
-        </p:spPr>
-        <p:txBody>
-          <a:bodyPr wrap="square" lIns="86970" tIns="86970" rIns="86970" bIns="86970" numCol="1" spcCol="434850" rtlCol="0">
-            <a:noAutofit/>
-          </a:bodyPr>
-          <a:lstStyle/>
-          <a:p>
-            <a:pPr marL="434850" indent="-434850">
-              <a:buFont typeface="+mj-lt"/>
-              <a:buAutoNum type="arabicPeriod"/>
-            </a:pPr>
-            <a:r>
-              <a:rPr lang="en-US" sz="1600" dirty="0"/>
-              <a:t> </a:t>
-            </a:r>
-          </a:p>
-          <a:p>
-            <a:pPr marL="434850" indent="-434850">
-              <a:buFont typeface="+mj-lt"/>
-              <a:buAutoNum type="arabicPeriod"/>
-            </a:pPr>
-            <a:r>
-              <a:rPr lang="en-US" sz="1600" dirty="0"/>
-              <a:t> </a:t>
-            </a:r>
-          </a:p>
-          <a:p>
-            <a:pPr marL="434850" indent="-434850">
-              <a:buFont typeface="+mj-lt"/>
-              <a:buAutoNum type="arabicPeriod"/>
-            </a:pPr>
-            <a:r>
-              <a:rPr lang="en-US" sz="1600" dirty="0"/>
-              <a:t> </a:t>
-            </a:r>
-          </a:p>
-          <a:p>
-            <a:pPr marL="434850" indent="-434850">
-              <a:buFont typeface="+mj-lt"/>
-              <a:buAutoNum type="arabicPeriod"/>
-            </a:pPr>
-            <a:r>
-              <a:rPr lang="en-US" sz="1600" dirty="0"/>
-              <a:t> </a:t>
-            </a:r>
-          </a:p>
-          <a:p>
-            <a:pPr marL="434850" indent="-434850">
-              <a:buFont typeface="+mj-lt"/>
-              <a:buAutoNum type="arabicPeriod"/>
-            </a:pPr>
-            <a:r>
-              <a:rPr lang="en-US" sz="1600" dirty="0"/>
-              <a:t> </a:t>
-            </a:r>
-          </a:p>
-          <a:p>
-            <a:pPr marL="434850" indent="-434850">
-              <a:buFont typeface="+mj-lt"/>
-              <a:buAutoNum type="arabicPeriod"/>
-            </a:pPr>
-            <a:r>
-              <a:rPr lang="en-US" sz="1600" dirty="0"/>
-              <a:t> </a:t>
-            </a:r>
-          </a:p>
-          <a:p>
-            <a:pPr marL="434850" indent="-434850">
-              <a:buFont typeface="+mj-lt"/>
-              <a:buAutoNum type="arabicPeriod"/>
-            </a:pPr>
-            <a:r>
-              <a:rPr lang="en-US" sz="1600" dirty="0"/>
-              <a:t> </a:t>
-            </a:r>
-          </a:p>
-          <a:p>
-            <a:pPr marL="434850" indent="-434850">
-              <a:buFont typeface="+mj-lt"/>
-              <a:buAutoNum type="arabicPeriod"/>
-            </a:pPr>
-            <a:r>
-              <a:rPr lang="en-US" sz="1600" dirty="0"/>
-              <a:t> </a:t>
-            </a:r>
-          </a:p>
-          <a:p>
-            <a:pPr marL="434850" indent="-434850">
-              <a:buFont typeface="+mj-lt"/>
-              <a:buAutoNum type="arabicPeriod"/>
-            </a:pPr>
-            <a:r>
-              <a:rPr lang="en-US" sz="1600" dirty="0"/>
-              <a:t> </a:t>
-            </a:r>
-          </a:p>
-          <a:p>
-            <a:pPr marL="434850" indent="-434850">
-              <a:buFont typeface="+mj-lt"/>
-              <a:buAutoNum type="arabicPeriod"/>
-            </a:pPr>
-            <a:r>
-              <a:rPr lang="en-US" sz="1600" dirty="0"/>
-              <a:t>  </a:t>
-            </a:r>
-          </a:p>
-          <a:p>
-            <a:pPr marL="434850" indent="-434850">
-              <a:buFont typeface="+mj-lt"/>
-              <a:buAutoNum type="arabicPeriod"/>
-            </a:pPr>
-            <a:endParaRPr lang="en-US" sz="1600" dirty="0"/>
-          </a:p>
-        </p:txBody>
-      </p:sp>
-      <p:sp>
-        <p:nvSpPr>
-          <p:cNvPr id="27" name="TextBox 26"/>
-          <p:cNvSpPr txBox="1"/>
-          <p:nvPr/>
-        </p:nvSpPr>
-        <p:spPr>
-          <a:xfrm>
-            <a:off x="15133638" y="37890733"/>
-            <a:ext cx="3325668" cy="918816"/>
-          </a:xfrm>
-          <a:prstGeom prst="rect">
-            <a:avLst/>
-          </a:prstGeom>
-          <a:noFill/>
-        </p:spPr>
-        <p:txBody>
-          <a:bodyPr wrap="none" lIns="86970" tIns="43485" rIns="86970" bIns="43485" rtlCol="0">
-            <a:spAutoFit/>
-          </a:bodyPr>
-          <a:lstStyle/>
-          <a:p>
-            <a:r>
-              <a:rPr lang="en-US" sz="5400" b="1" dirty="0"/>
-              <a:t>References</a:t>
-            </a:r>
-          </a:p>
-        </p:txBody>
-      </p:sp>
-      <p:sp>
-        <p:nvSpPr>
           <p:cNvPr id="10" name="Text Box 189"/>
           <p:cNvSpPr txBox="1">
             <a:spLocks noChangeArrowheads="1"/>
@@ -3821,8 +3526,8 @@
         </p:nvSpPr>
         <p:spPr bwMode="auto">
           <a:xfrm>
-            <a:off x="10929850" y="7132373"/>
-            <a:ext cx="8407576" cy="8522396"/>
+            <a:off x="1681515" y="24789396"/>
+            <a:ext cx="8407576" cy="8661244"/>
           </a:xfrm>
           <a:prstGeom prst="rect">
             <a:avLst/>
@@ -3947,7 +3652,7 @@
               <a:rPr lang="en-US" sz="3000" dirty="0">
                 <a:latin typeface="Calibri" pitchFamily="34" charset="0"/>
               </a:rPr>
-              <a:t>Click here to insert your Methods and Materials text. Type it in or copy and paste from your Word document or other source.</a:t>
+              <a:t>To later train a model, we chose to acquire lyrics from feminist, neutral and sexist songs. We combined several existing lyrics scrapers to be the lyrics from our feminist, neutral and sexists songs playlists.</a:t>
             </a:r>
           </a:p>
           <a:p>
@@ -3957,54 +3662,92 @@
             </a:endParaRPr>
           </a:p>
           <a:p>
-            <a:pPr eaLnBrk="1" hangingPunct="1"/>
+            <a:pPr>
+              <a:buFont typeface="Century Gothic" panose="020B0502020202020204" pitchFamily="34" charset="0"/>
+              <a:buChar char="►"/>
+            </a:pPr>
             <a:r>
               <a:rPr lang="en-US" sz="3000" dirty="0">
-                <a:latin typeface="Calibri" pitchFamily="34" charset="0"/>
-              </a:rPr>
-              <a:t>This text box will automatically re-size to your text. To turn off that feature, right click inside this box and go to </a:t>
+                <a:latin typeface="+mn-lt"/>
+              </a:rPr>
+              <a:t>Our </a:t>
             </a:r>
             <a:r>
               <a:rPr lang="en-US" sz="3000" b="1" dirty="0">
-                <a:latin typeface="Calibri" pitchFamily="34" charset="0"/>
-              </a:rPr>
-              <a:t>Format Shape, Text Box, Autofit</a:t>
+                <a:latin typeface="+mn-lt"/>
+              </a:rPr>
+              <a:t>feminist playlist </a:t>
             </a:r>
             <a:r>
               <a:rPr lang="en-US" sz="3000" dirty="0">
-                <a:latin typeface="Calibri" pitchFamily="34" charset="0"/>
-              </a:rPr>
-              <a:t>, and select the “Do Not Autofit” radio button.</a:t>
-            </a:r>
-          </a:p>
-          <a:p>
-            <a:pPr eaLnBrk="1" hangingPunct="1"/>
+                <a:latin typeface="+mn-lt"/>
+              </a:rPr>
+              <a:t>was built using user-labeled feminists songs found over the internet.</a:t>
+            </a:r>
+          </a:p>
+          <a:p>
+            <a:pPr>
+              <a:buFont typeface="Century Gothic" panose="020B0502020202020204" pitchFamily="34" charset="0"/>
+              <a:buChar char="►"/>
+            </a:pPr>
+            <a:r>
+              <a:rPr lang="en-US" sz="3000" dirty="0">
+                <a:latin typeface="+mn-lt"/>
+              </a:rPr>
+              <a:t>Our </a:t>
+            </a:r>
+            <a:r>
+              <a:rPr lang="en-US" sz="3000" b="1" dirty="0">
+                <a:latin typeface="+mn-lt"/>
+              </a:rPr>
+              <a:t>neutral playlist</a:t>
+            </a:r>
+            <a:r>
+              <a:rPr lang="en-US" sz="3000" dirty="0">
+                <a:latin typeface="+mn-lt"/>
+              </a:rPr>
+              <a:t> was built by ourselves, choosing songs that did not talk about women or in very neutral ways.</a:t>
+            </a:r>
+          </a:p>
+          <a:p>
+            <a:pPr>
+              <a:buFont typeface="Century Gothic" panose="020B0502020202020204" pitchFamily="34" charset="0"/>
+              <a:buChar char="►"/>
+            </a:pPr>
+            <a:r>
+              <a:rPr lang="en-US" sz="3000" dirty="0">
+                <a:latin typeface="+mn-lt"/>
+              </a:rPr>
+              <a:t>Our </a:t>
+            </a:r>
+            <a:r>
+              <a:rPr lang="en-US" sz="3000" b="1" dirty="0">
+                <a:latin typeface="+mn-lt"/>
+              </a:rPr>
+              <a:t>sexist playlist</a:t>
+            </a:r>
+            <a:r>
+              <a:rPr lang="en-US" sz="3000" dirty="0">
+                <a:latin typeface="+mn-lt"/>
+              </a:rPr>
+              <a:t> was built upon user-labeled songs found over the internet.</a:t>
+            </a:r>
+          </a:p>
+          <a:p>
+            <a:pPr>
+              <a:buFont typeface="Century Gothic" panose="020B0502020202020204" pitchFamily="34" charset="0"/>
+              <a:buChar char="►"/>
+            </a:pPr>
             <a:endParaRPr lang="en-US" sz="3000" dirty="0">
-              <a:latin typeface="Calibri" pitchFamily="34" charset="0"/>
+              <a:latin typeface="+mn-lt"/>
             </a:endParaRPr>
           </a:p>
           <a:p>
-            <a:pPr eaLnBrk="1" hangingPunct="1"/>
             <a:r>
               <a:rPr lang="en-US" sz="3000" dirty="0">
-                <a:latin typeface="Calibri" pitchFamily="34" charset="0"/>
-              </a:rPr>
-              <a:t>To change the font style of this text box: Click on the border once to highlight the entire text box, then select a different font or font size that suits you. This text is Calibri 30pt and is easily read up to 4 feet away on an A0 poster.</a:t>
-            </a:r>
-          </a:p>
-          <a:p>
-            <a:pPr eaLnBrk="1" hangingPunct="1"/>
-            <a:endParaRPr lang="en-US" sz="3000" dirty="0">
-              <a:latin typeface="Calibri" pitchFamily="34" charset="0"/>
-            </a:endParaRPr>
-          </a:p>
-          <a:p>
-            <a:pPr eaLnBrk="1" hangingPunct="1"/>
-            <a:r>
-              <a:rPr lang="en-US" sz="3000" dirty="0">
-                <a:latin typeface="Calibri" pitchFamily="34" charset="0"/>
-              </a:rPr>
-              <a:t>Zoom out to 100% to preview what this will look like on your printed poster.</a:t>
+                <a:latin typeface="+mn-lt"/>
+              </a:rPr>
+              <a:t>The set we used our model on was the subset of the songs from the Million Song Dataset that contains title, artist, year and genre metadata for each song (50991 songs).</a:t>
             </a:r>
           </a:p>
         </p:txBody>
@@ -4017,7 +3760,7 @@
         </p:nvSpPr>
         <p:spPr>
           <a:xfrm>
-            <a:off x="10929850" y="6240826"/>
+            <a:off x="1681515" y="23897849"/>
             <a:ext cx="8407576" cy="891547"/>
           </a:xfrm>
           <a:prstGeom prst="rect">
@@ -4059,7 +3802,7 @@
                   </a:schemeClr>
                 </a:solidFill>
               </a:rPr>
-              <a:t>Methods and Materials</a:t>
+              <a:t>Data Acquisition</a:t>
             </a:r>
           </a:p>
         </p:txBody>
@@ -5094,7 +4837,7 @@
         <p:spPr bwMode="auto">
           <a:xfrm>
             <a:off x="1681515" y="12036733"/>
-            <a:ext cx="8407576" cy="11892898"/>
+            <a:ext cx="8407576" cy="10969569"/>
           </a:xfrm>
           <a:prstGeom prst="rect">
             <a:avLst/>
@@ -5219,7 +4962,7 @@
               <a:rPr lang="en-US" sz="3000" dirty="0">
                 <a:latin typeface="Calibri" pitchFamily="34" charset="0"/>
               </a:rPr>
-              <a:t>Ever since the beginning of the 20th century, a number of political and social movements have arisen with the goal of empowering women and pushing for social equality of sexes. These movements serve as the foundation of modern day feminism. </a:t>
+              <a:t>Ever since the beginning of the 20th century, a number of political and social movements have arisen with the goal of empowering women and pushing for social equality of sexes. </a:t>
             </a:r>
           </a:p>
           <a:p>
@@ -5234,7 +4977,7 @@
               <a:rPr lang="en-US" sz="3000" dirty="0">
                 <a:latin typeface="Calibri" pitchFamily="34" charset="0"/>
               </a:rPr>
-              <a:t>Numerous feminist ideologies have developed over the past half-century, and the topic certainly represents different viewpoints and aims which spark heated debates of both praises and criticism. Sexism on the other hand, is much less controversial and refers to any prejudice, stereotyping, or discrimination on the basis of sex, typically against women.</a:t>
+              <a:t>Numerous feminist ideologies have developed over the past half-century and the topic certainly represents different viewpoints and aims which spark heated debates of both praises and criticism. Sexism on the other hand, is much less controversial and refers to any prejudice, stereotyping, or discrimination on the basis of sex, typically against women.</a:t>
             </a:r>
           </a:p>
           <a:p>
@@ -5246,16 +4989,19 @@
           <a:p>
             <a:pPr eaLnBrk="1" hangingPunct="1"/>
             <a:r>
-              <a:rPr lang="en-US" sz="3000" b="1" dirty="0">
-                <a:latin typeface="Calibri" pitchFamily="34" charset="0"/>
-              </a:rPr>
-              <a:t>Feminism empowers women, Sexism discriminates against women</a:t>
-            </a:r>
-            <a:r>
               <a:rPr lang="en-US" sz="3000" dirty="0">
                 <a:latin typeface="Calibri" pitchFamily="34" charset="0"/>
               </a:rPr>
-              <a:t>. The two seemingly opposing dynamics have been explored through various mediums by many aficionados. In this poster, instead of approaching the topics from the conventional political, societal, or historical perspectives, we decided to look to music, particularly the lyrics of songs published over the last fifty years (or so) to seek insights.</a:t>
+              <a:t>Feminism empowers women, Sexism discriminates against women. The two seemingly opposing dynamics have been explored through various mediums by many aficionados. </a:t>
+            </a:r>
+          </a:p>
+          <a:p>
+            <a:pPr eaLnBrk="1" hangingPunct="1"/>
+            <a:r>
+              <a:rPr lang="en-US" sz="3000" dirty="0">
+                <a:latin typeface="Calibri" pitchFamily="34" charset="0"/>
+              </a:rPr>
+              <a:t>In this poster, instead of approaching the topics from the conventional political, societal, or historical perspectives, we decided to look to music, particularly the lyrics of songs published over the last fifty years (or so) to seek insights.</a:t>
             </a:r>
           </a:p>
         </p:txBody>
@@ -5338,7 +5084,7 @@
         </p:blipFill>
         <p:spPr bwMode="auto">
           <a:xfrm>
-            <a:off x="1711115" y="32987225"/>
+            <a:off x="10959350" y="6305270"/>
             <a:ext cx="3783410" cy="2674640"/>
           </a:xfrm>
           <a:prstGeom prst="rect">
@@ -5389,7 +5135,7 @@
         </p:blipFill>
         <p:spPr bwMode="auto">
           <a:xfrm>
-            <a:off x="6335283" y="32987225"/>
+            <a:off x="15583518" y="6305270"/>
             <a:ext cx="3783410" cy="2674640"/>
           </a:xfrm>
           <a:prstGeom prst="rect">
@@ -5430,7 +5176,7 @@
         </p:nvSpPr>
         <p:spPr bwMode="auto">
           <a:xfrm>
-            <a:off x="1711118" y="35880399"/>
+            <a:off x="10959353" y="9198444"/>
             <a:ext cx="3884987" cy="457151"/>
           </a:xfrm>
           <a:prstGeom prst="rect">
@@ -5599,7 +5345,7 @@
         </p:nvSpPr>
         <p:spPr bwMode="auto">
           <a:xfrm>
-            <a:off x="6335284" y="35880399"/>
+            <a:off x="15583519" y="9198444"/>
             <a:ext cx="3884987" cy="457151"/>
           </a:xfrm>
           <a:prstGeom prst="rect">
@@ -6197,6 +5943,250 @@
           </a:p>
         </p:txBody>
       </p:sp>
+      <p:sp>
+        <p:nvSpPr>
+          <p:cNvPr id="30" name="Text Box 194">
+            <a:extLst>
+              <a:ext uri="{FF2B5EF4-FFF2-40B4-BE49-F238E27FC236}">
+                <a16:creationId xmlns:a16="http://schemas.microsoft.com/office/drawing/2014/main" id="{A99EA66A-539E-4221-B746-EF53E1F93AED}"/>
+              </a:ext>
+            </a:extLst>
+          </p:cNvPr>
+          <p:cNvSpPr txBox="1">
+            <a:spLocks noChangeArrowheads="1"/>
+          </p:cNvSpPr>
+          <p:nvPr/>
+        </p:nvSpPr>
+        <p:spPr bwMode="auto">
+          <a:xfrm>
+            <a:off x="1719269" y="41158969"/>
+            <a:ext cx="8407576" cy="1274607"/>
+          </a:xfrm>
+          <a:prstGeom prst="rect">
+            <a:avLst/>
+          </a:prstGeom>
+          <a:solidFill>
+            <a:schemeClr val="bg1"/>
+          </a:solidFill>
+          <a:ln w="12700">
+            <a:solidFill>
+              <a:schemeClr val="accent1">
+                <a:lumMod val="75000"/>
+              </a:schemeClr>
+            </a:solidFill>
+          </a:ln>
+          <a:effectLst/>
+        </p:spPr>
+        <p:txBody>
+          <a:bodyPr lIns="173940" tIns="173940" rIns="173940" bIns="173940">
+            <a:spAutoFit/>
+          </a:bodyPr>
+          <a:lstStyle>
+            <a:lvl1pPr eaLnBrk="0" hangingPunct="0">
+              <a:defRPr sz="2200">
+                <a:solidFill>
+                  <a:schemeClr val="tx1"/>
+                </a:solidFill>
+                <a:latin typeface="Arial" charset="0"/>
+              </a:defRPr>
+            </a:lvl1pPr>
+            <a:lvl2pPr marL="742950" indent="-285750" eaLnBrk="0" hangingPunct="0">
+              <a:defRPr sz="2200">
+                <a:solidFill>
+                  <a:schemeClr val="tx1"/>
+                </a:solidFill>
+                <a:latin typeface="Arial" charset="0"/>
+              </a:defRPr>
+            </a:lvl2pPr>
+            <a:lvl3pPr marL="1143000" indent="-228600" eaLnBrk="0" hangingPunct="0">
+              <a:defRPr sz="2200">
+                <a:solidFill>
+                  <a:schemeClr val="tx1"/>
+                </a:solidFill>
+                <a:latin typeface="Arial" charset="0"/>
+              </a:defRPr>
+            </a:lvl3pPr>
+            <a:lvl4pPr marL="1600200" indent="-228600" eaLnBrk="0" hangingPunct="0">
+              <a:defRPr sz="2200">
+                <a:solidFill>
+                  <a:schemeClr val="tx1"/>
+                </a:solidFill>
+                <a:latin typeface="Arial" charset="0"/>
+              </a:defRPr>
+            </a:lvl4pPr>
+            <a:lvl5pPr marL="2057400" indent="-228600" eaLnBrk="0" hangingPunct="0">
+              <a:defRPr sz="2200">
+                <a:solidFill>
+                  <a:schemeClr val="tx1"/>
+                </a:solidFill>
+                <a:latin typeface="Arial" charset="0"/>
+              </a:defRPr>
+            </a:lvl5pPr>
+            <a:lvl6pPr marL="2514600" indent="-228600" eaLnBrk="0" fontAlgn="base" hangingPunct="0">
+              <a:spcBef>
+                <a:spcPct val="0"/>
+              </a:spcBef>
+              <a:spcAft>
+                <a:spcPct val="0"/>
+              </a:spcAft>
+              <a:defRPr sz="2200">
+                <a:solidFill>
+                  <a:schemeClr val="tx1"/>
+                </a:solidFill>
+                <a:latin typeface="Arial" charset="0"/>
+              </a:defRPr>
+            </a:lvl6pPr>
+            <a:lvl7pPr marL="2971800" indent="-228600" eaLnBrk="0" fontAlgn="base" hangingPunct="0">
+              <a:spcBef>
+                <a:spcPct val="0"/>
+              </a:spcBef>
+              <a:spcAft>
+                <a:spcPct val="0"/>
+              </a:spcAft>
+              <a:defRPr sz="2200">
+                <a:solidFill>
+                  <a:schemeClr val="tx1"/>
+                </a:solidFill>
+                <a:latin typeface="Arial" charset="0"/>
+              </a:defRPr>
+            </a:lvl7pPr>
+            <a:lvl8pPr marL="3429000" indent="-228600" eaLnBrk="0" fontAlgn="base" hangingPunct="0">
+              <a:spcBef>
+                <a:spcPct val="0"/>
+              </a:spcBef>
+              <a:spcAft>
+                <a:spcPct val="0"/>
+              </a:spcAft>
+              <a:defRPr sz="2200">
+                <a:solidFill>
+                  <a:schemeClr val="tx1"/>
+                </a:solidFill>
+                <a:latin typeface="Arial" charset="0"/>
+              </a:defRPr>
+            </a:lvl8pPr>
+            <a:lvl9pPr marL="3886200" indent="-228600" eaLnBrk="0" fontAlgn="base" hangingPunct="0">
+              <a:spcBef>
+                <a:spcPct val="0"/>
+              </a:spcBef>
+              <a:spcAft>
+                <a:spcPct val="0"/>
+              </a:spcAft>
+              <a:defRPr sz="2200">
+                <a:solidFill>
+                  <a:schemeClr val="tx1"/>
+                </a:solidFill>
+                <a:latin typeface="Arial" charset="0"/>
+              </a:defRPr>
+            </a:lvl9pPr>
+          </a:lstStyle>
+          <a:p>
+            <a:pPr eaLnBrk="1" hangingPunct="1"/>
+            <a:r>
+              <a:rPr lang="en-US" sz="3000" dirty="0">
+                <a:latin typeface="Calibri" pitchFamily="34" charset="0"/>
+              </a:rPr>
+              <a:t>For later results, we use the Linear SVC model that yields the best accuracy. PUT VECTORIAL IMAGE</a:t>
+            </a:r>
+          </a:p>
+        </p:txBody>
+      </p:sp>
+      <p:sp>
+        <p:nvSpPr>
+          <p:cNvPr id="31" name="Rectangle 30">
+            <a:extLst>
+              <a:ext uri="{FF2B5EF4-FFF2-40B4-BE49-F238E27FC236}">
+                <a16:creationId xmlns:a16="http://schemas.microsoft.com/office/drawing/2014/main" id="{1AF6EB08-1091-48C1-BBA7-AAE7C1F1D950}"/>
+              </a:ext>
+            </a:extLst>
+          </p:cNvPr>
+          <p:cNvSpPr/>
+          <p:nvPr/>
+        </p:nvSpPr>
+        <p:spPr>
+          <a:xfrm>
+            <a:off x="1705188" y="34342187"/>
+            <a:ext cx="8407576" cy="891547"/>
+          </a:xfrm>
+          <a:prstGeom prst="rect">
+            <a:avLst/>
+          </a:prstGeom>
+          <a:solidFill>
+            <a:schemeClr val="accent1">
+              <a:lumMod val="75000"/>
+            </a:schemeClr>
+          </a:solidFill>
+        </p:spPr>
+        <p:style>
+          <a:lnRef idx="2">
+            <a:schemeClr val="accent1">
+              <a:shade val="50000"/>
+            </a:schemeClr>
+          </a:lnRef>
+          <a:fillRef idx="1">
+            <a:schemeClr val="accent1"/>
+          </a:fillRef>
+          <a:effectRef idx="0">
+            <a:schemeClr val="accent1"/>
+          </a:effectRef>
+          <a:fontRef idx="minor">
+            <a:schemeClr val="lt1"/>
+          </a:fontRef>
+        </p:style>
+        <p:txBody>
+          <a:bodyPr lIns="86970" tIns="43485" rIns="86970" bIns="43485" rtlCol="0" anchor="ctr"/>
+          <a:lstStyle/>
+          <a:p>
+            <a:pPr algn="ctr"/>
+            <a:r>
+              <a:rPr lang="en-US" sz="5400" b="1" dirty="0">
+                <a:solidFill>
+                  <a:schemeClr val="accent3">
+                    <a:lumMod val="20000"/>
+                    <a:lumOff val="80000"/>
+                  </a:schemeClr>
+                </a:solidFill>
+              </a:rPr>
+              <a:t>Machine Learning Model</a:t>
+            </a:r>
+          </a:p>
+        </p:txBody>
+      </p:sp>
+      <p:pic>
+        <p:nvPicPr>
+          <p:cNvPr id="7" name="Image 6">
+            <a:extLst>
+              <a:ext uri="{FF2B5EF4-FFF2-40B4-BE49-F238E27FC236}">
+                <a16:creationId xmlns:a16="http://schemas.microsoft.com/office/drawing/2014/main" id="{B31AF345-E37B-46D4-8337-09A924D59A3E}"/>
+              </a:ext>
+            </a:extLst>
+          </p:cNvPr>
+          <p:cNvPicPr>
+            <a:picLocks noChangeAspect="1"/>
+          </p:cNvPicPr>
+          <p:nvPr/>
+        </p:nvPicPr>
+        <p:blipFill>
+          <a:blip r:embed="rId6">
+            <a:extLst>
+              <a:ext uri="{28A0092B-C50C-407E-A947-70E740481C1C}">
+                <a14:useLocalDpi xmlns:a14="http://schemas.microsoft.com/office/drawing/2010/main" val="0"/>
+              </a:ext>
+            </a:extLst>
+          </a:blip>
+          <a:stretch>
+            <a:fillRect/>
+          </a:stretch>
+        </p:blipFill>
+        <p:spPr>
+          <a:xfrm>
+            <a:off x="1707433" y="35233734"/>
+            <a:ext cx="8431249" cy="5925235"/>
+          </a:xfrm>
+          <a:prstGeom prst="rect">
+            <a:avLst/>
+          </a:prstGeom>
+        </p:spPr>
+      </p:pic>
     </p:spTree>
     <p:extLst>
       <p:ext uri="{BB962C8B-B14F-4D97-AF65-F5344CB8AC3E}">

--- a/FIL - ADA.pptx
+++ b/FIL - ADA.pptx
@@ -121,284 +121,6 @@
     </p:ext>
   </p:extLst>
 </p:presentation>
-</file>
-
-<file path=ppt/charts/chart1.xml><?xml version="1.0" encoding="utf-8"?>
-<c:chartSpace xmlns:c="http://schemas.openxmlformats.org/drawingml/2006/chart" xmlns:a="http://schemas.openxmlformats.org/drawingml/2006/main" xmlns:r="http://schemas.openxmlformats.org/officeDocument/2006/relationships" xmlns:c16r2="http://schemas.microsoft.com/office/drawing/2015/06/chart">
-  <c:date1904 val="0"/>
-  <c:lang val="fr-FR"/>
-  <c:roundedCorners val="0"/>
-  <mc:AlternateContent xmlns:mc="http://schemas.openxmlformats.org/markup-compatibility/2006">
-    <mc:Choice xmlns:c14="http://schemas.microsoft.com/office/drawing/2007/8/2/chart" Requires="c14">
-      <c14:style val="103"/>
-    </mc:Choice>
-    <mc:Fallback>
-      <c:style val="3"/>
-    </mc:Fallback>
-  </mc:AlternateContent>
-  <c:chart>
-    <c:autoTitleDeleted val="0"/>
-    <c:plotArea>
-      <c:layout/>
-      <c:barChart>
-        <c:barDir val="col"/>
-        <c:grouping val="clustered"/>
-        <c:varyColors val="0"/>
-        <c:ser>
-          <c:idx val="0"/>
-          <c:order val="0"/>
-          <c:tx>
-            <c:strRef>
-              <c:f>Sheet1!$B$1</c:f>
-              <c:strCache>
-                <c:ptCount val="1"/>
-                <c:pt idx="0">
-                  <c:v>Series 1</c:v>
-                </c:pt>
-              </c:strCache>
-            </c:strRef>
-          </c:tx>
-          <c:invertIfNegative val="0"/>
-          <c:cat>
-            <c:strRef>
-              <c:f>Sheet1!$A$2:$A$5</c:f>
-              <c:strCache>
-                <c:ptCount val="4"/>
-                <c:pt idx="0">
-                  <c:v>Category 1</c:v>
-                </c:pt>
-                <c:pt idx="1">
-                  <c:v>Category 2</c:v>
-                </c:pt>
-                <c:pt idx="2">
-                  <c:v>Category 3</c:v>
-                </c:pt>
-                <c:pt idx="3">
-                  <c:v>Category 4</c:v>
-                </c:pt>
-              </c:strCache>
-            </c:strRef>
-          </c:cat>
-          <c:val>
-            <c:numRef>
-              <c:f>Sheet1!$B$2:$B$5</c:f>
-              <c:numCache>
-                <c:formatCode>General</c:formatCode>
-                <c:ptCount val="4"/>
-                <c:pt idx="0">
-                  <c:v>4.3</c:v>
-                </c:pt>
-                <c:pt idx="1">
-                  <c:v>2.5</c:v>
-                </c:pt>
-                <c:pt idx="2">
-                  <c:v>3.5</c:v>
-                </c:pt>
-                <c:pt idx="3">
-                  <c:v>4.5</c:v>
-                </c:pt>
-              </c:numCache>
-            </c:numRef>
-          </c:val>
-          <c:extLst>
-            <c:ext xmlns:c16="http://schemas.microsoft.com/office/drawing/2014/chart" uri="{C3380CC4-5D6E-409C-BE32-E72D297353CC}">
-              <c16:uniqueId val="{00000000-E35C-45AF-997C-7317E666ADD5}"/>
-            </c:ext>
-          </c:extLst>
-        </c:ser>
-        <c:ser>
-          <c:idx val="1"/>
-          <c:order val="1"/>
-          <c:tx>
-            <c:strRef>
-              <c:f>Sheet1!$C$1</c:f>
-              <c:strCache>
-                <c:ptCount val="1"/>
-                <c:pt idx="0">
-                  <c:v>Series 2</c:v>
-                </c:pt>
-              </c:strCache>
-            </c:strRef>
-          </c:tx>
-          <c:invertIfNegative val="0"/>
-          <c:cat>
-            <c:strRef>
-              <c:f>Sheet1!$A$2:$A$5</c:f>
-              <c:strCache>
-                <c:ptCount val="4"/>
-                <c:pt idx="0">
-                  <c:v>Category 1</c:v>
-                </c:pt>
-                <c:pt idx="1">
-                  <c:v>Category 2</c:v>
-                </c:pt>
-                <c:pt idx="2">
-                  <c:v>Category 3</c:v>
-                </c:pt>
-                <c:pt idx="3">
-                  <c:v>Category 4</c:v>
-                </c:pt>
-              </c:strCache>
-            </c:strRef>
-          </c:cat>
-          <c:val>
-            <c:numRef>
-              <c:f>Sheet1!$C$2:$C$5</c:f>
-              <c:numCache>
-                <c:formatCode>General</c:formatCode>
-                <c:ptCount val="4"/>
-                <c:pt idx="0">
-                  <c:v>2.4</c:v>
-                </c:pt>
-                <c:pt idx="1">
-                  <c:v>4.4000000000000004</c:v>
-                </c:pt>
-                <c:pt idx="2">
-                  <c:v>1.8</c:v>
-                </c:pt>
-                <c:pt idx="3">
-                  <c:v>2.8</c:v>
-                </c:pt>
-              </c:numCache>
-            </c:numRef>
-          </c:val>
-          <c:extLst>
-            <c:ext xmlns:c16="http://schemas.microsoft.com/office/drawing/2014/chart" uri="{C3380CC4-5D6E-409C-BE32-E72D297353CC}">
-              <c16:uniqueId val="{00000001-E35C-45AF-997C-7317E666ADD5}"/>
-            </c:ext>
-          </c:extLst>
-        </c:ser>
-        <c:ser>
-          <c:idx val="2"/>
-          <c:order val="2"/>
-          <c:tx>
-            <c:strRef>
-              <c:f>Sheet1!$D$1</c:f>
-              <c:strCache>
-                <c:ptCount val="1"/>
-                <c:pt idx="0">
-                  <c:v>Series 3</c:v>
-                </c:pt>
-              </c:strCache>
-            </c:strRef>
-          </c:tx>
-          <c:invertIfNegative val="0"/>
-          <c:cat>
-            <c:strRef>
-              <c:f>Sheet1!$A$2:$A$5</c:f>
-              <c:strCache>
-                <c:ptCount val="4"/>
-                <c:pt idx="0">
-                  <c:v>Category 1</c:v>
-                </c:pt>
-                <c:pt idx="1">
-                  <c:v>Category 2</c:v>
-                </c:pt>
-                <c:pt idx="2">
-                  <c:v>Category 3</c:v>
-                </c:pt>
-                <c:pt idx="3">
-                  <c:v>Category 4</c:v>
-                </c:pt>
-              </c:strCache>
-            </c:strRef>
-          </c:cat>
-          <c:val>
-            <c:numRef>
-              <c:f>Sheet1!$D$2:$D$5</c:f>
-              <c:numCache>
-                <c:formatCode>General</c:formatCode>
-                <c:ptCount val="4"/>
-                <c:pt idx="0">
-                  <c:v>2</c:v>
-                </c:pt>
-                <c:pt idx="1">
-                  <c:v>2</c:v>
-                </c:pt>
-                <c:pt idx="2">
-                  <c:v>3</c:v>
-                </c:pt>
-                <c:pt idx="3">
-                  <c:v>3.4</c:v>
-                </c:pt>
-              </c:numCache>
-            </c:numRef>
-          </c:val>
-          <c:extLst>
-            <c:ext xmlns:c16="http://schemas.microsoft.com/office/drawing/2014/chart" uri="{C3380CC4-5D6E-409C-BE32-E72D297353CC}">
-              <c16:uniqueId val="{00000002-E35C-45AF-997C-7317E666ADD5}"/>
-            </c:ext>
-          </c:extLst>
-        </c:ser>
-        <c:dLbls>
-          <c:showLegendKey val="0"/>
-          <c:showVal val="0"/>
-          <c:showCatName val="0"/>
-          <c:showSerName val="0"/>
-          <c:showPercent val="0"/>
-          <c:showBubbleSize val="0"/>
-        </c:dLbls>
-        <c:gapWidth val="150"/>
-        <c:axId val="93736960"/>
-        <c:axId val="93738496"/>
-      </c:barChart>
-      <c:catAx>
-        <c:axId val="93736960"/>
-        <c:scaling>
-          <c:orientation val="minMax"/>
-        </c:scaling>
-        <c:delete val="0"/>
-        <c:axPos val="b"/>
-        <c:numFmt formatCode="General" sourceLinked="0"/>
-        <c:majorTickMark val="out"/>
-        <c:minorTickMark val="none"/>
-        <c:tickLblPos val="nextTo"/>
-        <c:crossAx val="93738496"/>
-        <c:crosses val="autoZero"/>
-        <c:auto val="1"/>
-        <c:lblAlgn val="ctr"/>
-        <c:lblOffset val="100"/>
-        <c:noMultiLvlLbl val="0"/>
-      </c:catAx>
-      <c:valAx>
-        <c:axId val="93738496"/>
-        <c:scaling>
-          <c:orientation val="minMax"/>
-        </c:scaling>
-        <c:delete val="0"/>
-        <c:axPos val="l"/>
-        <c:majorGridlines/>
-        <c:numFmt formatCode="General" sourceLinked="1"/>
-        <c:majorTickMark val="out"/>
-        <c:minorTickMark val="none"/>
-        <c:tickLblPos val="nextTo"/>
-        <c:crossAx val="93736960"/>
-        <c:crosses val="autoZero"/>
-        <c:crossBetween val="between"/>
-      </c:valAx>
-    </c:plotArea>
-    <c:legend>
-      <c:legendPos val="r"/>
-      <c:overlay val="0"/>
-    </c:legend>
-    <c:plotVisOnly val="1"/>
-    <c:dispBlanksAs val="gap"/>
-    <c:showDLblsOverMax val="0"/>
-  </c:chart>
-  <c:txPr>
-    <a:bodyPr/>
-    <a:lstStyle/>
-    <a:p>
-      <a:pPr>
-        <a:defRPr sz="1800"/>
-      </a:pPr>
-      <a:endParaRPr lang="fr-FR"/>
-    </a:p>
-  </c:txPr>
-  <c:externalData r:id="rId1">
-    <c:autoUpdate val="0"/>
-  </c:externalData>
-</c:chartSpace>
 </file>
 
 <file path=ppt/slideLayouts/slideLayout1.xml><?xml version="1.0" encoding="utf-8"?>
@@ -2001,7 +1723,7 @@
           <a:p>
             <a:fld id="{985D6BDF-9D0E-4E2B-85B8-D8F4790360C9}" type="datetimeFigureOut">
               <a:rPr lang="en-US" smtClean="0"/>
-              <a:t>1/11/2019</a:t>
+              <a:t>1/14/2019</a:t>
             </a:fld>
             <a:endParaRPr lang="en-US" dirty="0"/>
           </a:p>
@@ -2212,7 +1934,7 @@
           <a:p>
             <a:fld id="{985D6BDF-9D0E-4E2B-85B8-D8F4790360C9}" type="datetimeFigureOut">
               <a:rPr lang="en-US" smtClean="0"/>
-              <a:t>1/11/2019</a:t>
+              <a:t>1/14/2019</a:t>
             </a:fld>
             <a:endParaRPr lang="en-US" dirty="0"/>
           </a:p>
@@ -3234,8 +2956,8 @@
         </p:nvSpPr>
         <p:spPr bwMode="auto">
           <a:xfrm>
-            <a:off x="10929850" y="17385160"/>
-            <a:ext cx="8407576" cy="10507904"/>
+            <a:off x="10933319" y="12834399"/>
+            <a:ext cx="8407576" cy="6352920"/>
           </a:xfrm>
           <a:prstGeom prst="rect">
             <a:avLst/>
@@ -3360,103 +3082,23 @@
               <a:rPr lang="en-US" sz="3000" dirty="0">
                 <a:latin typeface="Calibri" pitchFamily="34" charset="0"/>
               </a:rPr>
-              <a:t>Click here to insert your Results text. Type it in or copy and paste from your Word document or other source.</a:t>
-            </a:r>
-          </a:p>
-          <a:p>
-            <a:pPr eaLnBrk="1" hangingPunct="1"/>
-            <a:endParaRPr lang="en-US" sz="3000" dirty="0">
-              <a:latin typeface="Calibri" pitchFamily="34" charset="0"/>
-            </a:endParaRPr>
-          </a:p>
-          <a:p>
-            <a:pPr eaLnBrk="1" hangingPunct="1"/>
-            <a:r>
+              <a:t>A brief overview of number of feminist, neutral, and sexist songs are displayed in figure 2. We can see clearly here that significantly more data become available during recent years. The fallout in 2008-2009 is due to the incompleteness of the data in that period.</a:t>
+            </a:r>
+            <a:br>
               <a:rPr lang="en-US" sz="3000" dirty="0">
                 <a:latin typeface="Calibri" pitchFamily="34" charset="0"/>
               </a:rPr>
-              <a:t>This text box will automatically re-size to your text. To turn off that feature, right click inside this box and go to </a:t>
-            </a:r>
-            <a:r>
-              <a:rPr lang="en-US" sz="3000" b="1" dirty="0">
-                <a:latin typeface="Calibri" pitchFamily="34" charset="0"/>
-              </a:rPr>
-              <a:t>Format Shape, Text Box, Autofit</a:t>
-            </a:r>
-            <a:r>
+            </a:br>
+            <a:br>
               <a:rPr lang="en-US" sz="3000" dirty="0">
                 <a:latin typeface="Calibri" pitchFamily="34" charset="0"/>
               </a:rPr>
-              <a:t>, and select the “Do Not Autofit” radio button.</a:t>
-            </a:r>
-          </a:p>
-          <a:p>
-            <a:pPr eaLnBrk="1" hangingPunct="1"/>
-            <a:endParaRPr lang="en-US" sz="3000" dirty="0">
-              <a:latin typeface="Calibri" pitchFamily="34" charset="0"/>
-            </a:endParaRPr>
-          </a:p>
-          <a:p>
-            <a:pPr eaLnBrk="1" hangingPunct="1"/>
+            </a:br>
             <a:r>
               <a:rPr lang="en-US" sz="3000" dirty="0">
                 <a:latin typeface="Calibri" pitchFamily="34" charset="0"/>
               </a:rPr>
-              <a:t>To change the font style of this text box: Click on the border once to highlight the entire text box, then select a different font or font size that suits you. This text is Calibri 30pt and is easily read up to 4 feet away on an A0 poster.</a:t>
-            </a:r>
-          </a:p>
-          <a:p>
-            <a:pPr eaLnBrk="1" hangingPunct="1"/>
-            <a:endParaRPr lang="en-US" sz="3000" dirty="0">
-              <a:latin typeface="Calibri" pitchFamily="34" charset="0"/>
-            </a:endParaRPr>
-          </a:p>
-          <a:p>
-            <a:pPr eaLnBrk="1" hangingPunct="1"/>
-            <a:r>
-              <a:rPr lang="en-US" sz="3000" dirty="0">
-                <a:latin typeface="Calibri" pitchFamily="34" charset="0"/>
-              </a:rPr>
-              <a:t>Zoom out to 100% to preview what this will look like on your printed poster.</a:t>
-            </a:r>
-          </a:p>
-          <a:p>
-            <a:pPr eaLnBrk="1" hangingPunct="1"/>
-            <a:endParaRPr lang="en-US" sz="3000" dirty="0">
-              <a:latin typeface="Calibri" pitchFamily="34" charset="0"/>
-            </a:endParaRPr>
-          </a:p>
-          <a:p>
-            <a:pPr eaLnBrk="1" hangingPunct="1"/>
-            <a:r>
-              <a:rPr lang="en-US" sz="3000" dirty="0">
-                <a:latin typeface="Calibri" pitchFamily="34" charset="0"/>
-              </a:rPr>
-              <a:t>Speaking of Results, yours will look better if you remember to run a spell-check on your poster! After you’ve added your content click on </a:t>
-            </a:r>
-            <a:r>
-              <a:rPr lang="en-US" sz="3000" b="1" dirty="0">
-                <a:latin typeface="Calibri" pitchFamily="34" charset="0"/>
-              </a:rPr>
-              <a:t>Review</a:t>
-            </a:r>
-            <a:r>
-              <a:rPr lang="en-US" sz="3000" dirty="0">
-                <a:latin typeface="Calibri" pitchFamily="34" charset="0"/>
-              </a:rPr>
-              <a:t>, </a:t>
-            </a:r>
-            <a:r>
-              <a:rPr lang="en-US" sz="3000" b="1" dirty="0">
-                <a:latin typeface="Calibri" pitchFamily="34" charset="0"/>
-              </a:rPr>
-              <a:t>Spelling</a:t>
-            </a:r>
-            <a:r>
-              <a:rPr lang="en-US" sz="3000" dirty="0">
-                <a:latin typeface="Calibri" pitchFamily="34" charset="0"/>
-              </a:rPr>
-              <a:t>, or press F7.</a:t>
+              <a:t>It is worth noticing that number of neutral songs and number of feminist songs are both steadily increasing throughout the year, where the number of sexist songs remain relatively constant. This means the proportion of sexist songs produced each year is getting lower.</a:t>
             </a:r>
           </a:p>
         </p:txBody>
@@ -3817,8 +3459,8 @@
         </p:nvSpPr>
         <p:spPr bwMode="auto">
           <a:xfrm>
-            <a:off x="20178184" y="17385160"/>
-            <a:ext cx="8407576" cy="8522396"/>
+            <a:off x="20155278" y="14046937"/>
+            <a:ext cx="8407576" cy="3582931"/>
           </a:xfrm>
           <a:prstGeom prst="rect">
             <a:avLst/>
@@ -3943,64 +3585,7 @@
               <a:rPr lang="en-US" sz="3000" dirty="0">
                 <a:latin typeface="Calibri" pitchFamily="34" charset="0"/>
               </a:rPr>
-              <a:t>Click here to insert your Discussion text. Type it in or copy and paste from your Word document or other source.</a:t>
-            </a:r>
-          </a:p>
-          <a:p>
-            <a:pPr eaLnBrk="1" hangingPunct="1"/>
-            <a:endParaRPr lang="en-US" sz="3000" dirty="0">
-              <a:latin typeface="Calibri" pitchFamily="34" charset="0"/>
-            </a:endParaRPr>
-          </a:p>
-          <a:p>
-            <a:pPr eaLnBrk="1" hangingPunct="1"/>
-            <a:r>
-              <a:rPr lang="en-US" sz="3000" dirty="0">
-                <a:latin typeface="Calibri" pitchFamily="34" charset="0"/>
-              </a:rPr>
-              <a:t>This text box will automatically re-size to your text. To turn off that feature, right click inside this box and go to </a:t>
-            </a:r>
-            <a:r>
-              <a:rPr lang="en-US" sz="3000" b="1" dirty="0">
-                <a:latin typeface="Calibri" pitchFamily="34" charset="0"/>
-              </a:rPr>
-              <a:t>Format Shape, Text Box, Autofit</a:t>
-            </a:r>
-            <a:r>
-              <a:rPr lang="en-US" sz="3000" dirty="0">
-                <a:latin typeface="Calibri" pitchFamily="34" charset="0"/>
-              </a:rPr>
-              <a:t>, and select the “Do Not Autofit” radio button.</a:t>
-            </a:r>
-          </a:p>
-          <a:p>
-            <a:pPr eaLnBrk="1" hangingPunct="1"/>
-            <a:endParaRPr lang="en-US" sz="3000" dirty="0">
-              <a:latin typeface="Calibri" pitchFamily="34" charset="0"/>
-            </a:endParaRPr>
-          </a:p>
-          <a:p>
-            <a:pPr eaLnBrk="1" hangingPunct="1"/>
-            <a:r>
-              <a:rPr lang="en-US" sz="3000" dirty="0">
-                <a:latin typeface="Calibri" pitchFamily="34" charset="0"/>
-              </a:rPr>
-              <a:t>To change the font style of this text box: Click on the border once to highlight the entire text box, then select a different font or font size that suits you. This text is Calibri 30pt and is easily read up to 4 feet away on an A0 poster.</a:t>
-            </a:r>
-          </a:p>
-          <a:p>
-            <a:pPr eaLnBrk="1" hangingPunct="1"/>
-            <a:endParaRPr lang="en-US" sz="3000" dirty="0">
-              <a:latin typeface="Calibri" pitchFamily="34" charset="0"/>
-            </a:endParaRPr>
-          </a:p>
-          <a:p>
-            <a:pPr eaLnBrk="1" hangingPunct="1"/>
-            <a:r>
-              <a:rPr lang="en-US" sz="3000" dirty="0">
-                <a:latin typeface="Calibri" pitchFamily="34" charset="0"/>
-              </a:rPr>
-              <a:t>Zoom out to 100% to preview what this will look like on your printed poster.</a:t>
+              <a:t>As the name suggests, Pop Music, or popular music aims to appeal to general audience, as opposed to a particular sub-culture or ideology. Pop Music is progressive, and tends to reflect changes experienced by the society. There is a clear increasing trend in the proportion of feminist music produced each year for this genre.</a:t>
             </a:r>
           </a:p>
         </p:txBody>
@@ -4013,7 +3598,7 @@
         </p:nvSpPr>
         <p:spPr>
           <a:xfrm>
-            <a:off x="20178184" y="16493613"/>
+            <a:off x="20155278" y="13155390"/>
             <a:ext cx="8407576" cy="891547"/>
           </a:xfrm>
           <a:prstGeom prst="rect">
@@ -4055,7 +3640,7 @@
                   </a:schemeClr>
                 </a:solidFill>
               </a:rPr>
-              <a:t>Discussion</a:t>
+              <a:t>Pop Music</a:t>
             </a:r>
           </a:p>
         </p:txBody>
@@ -4070,8 +3655,8 @@
         </p:nvSpPr>
         <p:spPr bwMode="auto">
           <a:xfrm>
-            <a:off x="20178184" y="27637946"/>
-            <a:ext cx="8407576" cy="8522396"/>
+            <a:off x="20098456" y="36305863"/>
+            <a:ext cx="8407576" cy="812942"/>
           </a:xfrm>
           <a:prstGeom prst="rect">
             <a:avLst/>
@@ -4193,68 +3778,14 @@
           <a:p>
             <a:pPr eaLnBrk="1" hangingPunct="1"/>
             <a:r>
-              <a:rPr lang="en-US" sz="3000" dirty="0">
-                <a:latin typeface="Calibri" pitchFamily="34" charset="0"/>
-              </a:rPr>
-              <a:t>Click here to insert your Conclusions text. Type it in or copy and paste from your Word document or other source.</a:t>
-            </a:r>
-          </a:p>
-          <a:p>
-            <a:pPr eaLnBrk="1" hangingPunct="1"/>
+              <a:rPr lang="en-US" sz="3000">
+                <a:latin typeface="Calibri" pitchFamily="34" charset="0"/>
+              </a:rPr>
+              <a:t>Put conclusion here</a:t>
+            </a:r>
             <a:endParaRPr lang="en-US" sz="3000" dirty="0">
               <a:latin typeface="Calibri" pitchFamily="34" charset="0"/>
             </a:endParaRPr>
-          </a:p>
-          <a:p>
-            <a:pPr eaLnBrk="1" hangingPunct="1"/>
-            <a:r>
-              <a:rPr lang="en-US" sz="3000" dirty="0">
-                <a:latin typeface="Calibri" pitchFamily="34" charset="0"/>
-              </a:rPr>
-              <a:t>This text box will automatically re-size to your text. To turn off that feature, right click inside this box and go to </a:t>
-            </a:r>
-            <a:r>
-              <a:rPr lang="en-US" sz="3000" b="1" dirty="0">
-                <a:latin typeface="Calibri" pitchFamily="34" charset="0"/>
-              </a:rPr>
-              <a:t>Format Shape, Text Box, Autofit</a:t>
-            </a:r>
-            <a:r>
-              <a:rPr lang="en-US" sz="3000" dirty="0">
-                <a:latin typeface="Calibri" pitchFamily="34" charset="0"/>
-              </a:rPr>
-              <a:t>, and select the “Do Not Autofit” radio button.</a:t>
-            </a:r>
-          </a:p>
-          <a:p>
-            <a:pPr eaLnBrk="1" hangingPunct="1"/>
-            <a:endParaRPr lang="en-US" sz="3000" dirty="0">
-              <a:latin typeface="Calibri" pitchFamily="34" charset="0"/>
-            </a:endParaRPr>
-          </a:p>
-          <a:p>
-            <a:pPr eaLnBrk="1" hangingPunct="1"/>
-            <a:r>
-              <a:rPr lang="en-US" sz="3000" dirty="0">
-                <a:latin typeface="Calibri" pitchFamily="34" charset="0"/>
-              </a:rPr>
-              <a:t>To change the font style of this text box: Click on the border once to highlight the entire text box, then select a different font or font size that suits you. This text is Calibri 30pt and is easily read up to 4 feet away on an A0 poster.</a:t>
-            </a:r>
-          </a:p>
-          <a:p>
-            <a:pPr eaLnBrk="1" hangingPunct="1"/>
-            <a:endParaRPr lang="en-US" sz="3000" dirty="0">
-              <a:latin typeface="Calibri" pitchFamily="34" charset="0"/>
-            </a:endParaRPr>
-          </a:p>
-          <a:p>
-            <a:pPr eaLnBrk="1" hangingPunct="1"/>
-            <a:r>
-              <a:rPr lang="en-US" sz="3000" dirty="0">
-                <a:latin typeface="Calibri" pitchFamily="34" charset="0"/>
-              </a:rPr>
-              <a:t>Zoom out to 100% to preview what this will look like on your printed poster.</a:t>
-            </a:r>
           </a:p>
         </p:txBody>
       </p:sp>
@@ -4266,7 +3797,7 @@
         </p:nvSpPr>
         <p:spPr>
           <a:xfrm>
-            <a:off x="20178184" y="26746399"/>
+            <a:off x="20098456" y="35411520"/>
             <a:ext cx="8407576" cy="891547"/>
           </a:xfrm>
           <a:prstGeom prst="rect">
@@ -4313,519 +3844,6 @@
           </a:p>
         </p:txBody>
       </p:sp>
-      <p:graphicFrame>
-        <p:nvGraphicFramePr>
-          <p:cNvPr id="44" name="Content Placeholder 114" descr="Sample table with 4 columns, 7 rows." title="Sample Table"/>
-          <p:cNvGraphicFramePr>
-            <a:graphicFrameLocks/>
-          </p:cNvGraphicFramePr>
-          <p:nvPr>
-            <p:extLst>
-              <p:ext uri="{D42A27DB-BD31-4B8C-83A1-F6EECF244321}">
-                <p14:modId xmlns:p14="http://schemas.microsoft.com/office/powerpoint/2010/main" val="1763839099"/>
-              </p:ext>
-            </p:extLst>
-          </p:nvPr>
-        </p:nvGraphicFramePr>
-        <p:xfrm>
-          <a:off x="10959350" y="29696630"/>
-          <a:ext cx="8407576" cy="6463709"/>
-        </p:xfrm>
-        <a:graphic>
-          <a:graphicData uri="http://schemas.openxmlformats.org/drawingml/2006/table">
-            <a:tbl>
-              <a:tblPr firstRow="1" bandRow="1">
-                <a:tableStyleId>{F5AB1C69-6EDB-4FF4-983F-18BD219EF322}</a:tableStyleId>
-              </a:tblPr>
-              <a:tblGrid>
-                <a:gridCol w="2101894">
-                  <a:extLst>
-                    <a:ext uri="{9D8B030D-6E8A-4147-A177-3AD203B41FA5}">
-                      <a16:colId xmlns:a16="http://schemas.microsoft.com/office/drawing/2014/main" val="20000"/>
-                    </a:ext>
-                  </a:extLst>
-                </a:gridCol>
-                <a:gridCol w="2101894">
-                  <a:extLst>
-                    <a:ext uri="{9D8B030D-6E8A-4147-A177-3AD203B41FA5}">
-                      <a16:colId xmlns:a16="http://schemas.microsoft.com/office/drawing/2014/main" val="20001"/>
-                    </a:ext>
-                  </a:extLst>
-                </a:gridCol>
-                <a:gridCol w="2101894">
-                  <a:extLst>
-                    <a:ext uri="{9D8B030D-6E8A-4147-A177-3AD203B41FA5}">
-                      <a16:colId xmlns:a16="http://schemas.microsoft.com/office/drawing/2014/main" val="20002"/>
-                    </a:ext>
-                  </a:extLst>
-                </a:gridCol>
-                <a:gridCol w="2101894">
-                  <a:extLst>
-                    <a:ext uri="{9D8B030D-6E8A-4147-A177-3AD203B41FA5}">
-                      <a16:colId xmlns:a16="http://schemas.microsoft.com/office/drawing/2014/main" val="20003"/>
-                    </a:ext>
-                  </a:extLst>
-                </a:gridCol>
-              </a:tblGrid>
-              <a:tr h="923387">
-                <a:tc>
-                  <a:txBody>
-                    <a:bodyPr/>
-                    <a:lstStyle/>
-                    <a:p>
-                      <a:endParaRPr lang="en-US" sz="3100" dirty="0"/>
-                    </a:p>
-                  </a:txBody>
-                  <a:tcPr marL="84076" marR="84076" marT="44577" marB="44577" anchor="ctr">
-                    <a:solidFill>
-                      <a:schemeClr val="accent1">
-                        <a:lumMod val="75000"/>
-                      </a:schemeClr>
-                    </a:solidFill>
-                  </a:tcPr>
-                </a:tc>
-                <a:tc>
-                  <a:txBody>
-                    <a:bodyPr/>
-                    <a:lstStyle/>
-                    <a:p>
-                      <a:pPr algn="ctr"/>
-                      <a:r>
-                        <a:rPr lang="en-US" sz="3100" dirty="0"/>
-                        <a:t>Heading</a:t>
-                      </a:r>
-                    </a:p>
-                  </a:txBody>
-                  <a:tcPr marL="84076" marR="84076" marT="44577" marB="44577" anchor="ctr">
-                    <a:solidFill>
-                      <a:schemeClr val="accent1">
-                        <a:lumMod val="75000"/>
-                      </a:schemeClr>
-                    </a:solidFill>
-                  </a:tcPr>
-                </a:tc>
-                <a:tc>
-                  <a:txBody>
-                    <a:bodyPr/>
-                    <a:lstStyle/>
-                    <a:p>
-                      <a:pPr algn="ctr"/>
-                      <a:r>
-                        <a:rPr lang="en-US" sz="3100" dirty="0"/>
-                        <a:t>Heading</a:t>
-                      </a:r>
-                    </a:p>
-                  </a:txBody>
-                  <a:tcPr marL="84076" marR="84076" marT="44577" marB="44577" anchor="ctr">
-                    <a:solidFill>
-                      <a:schemeClr val="accent1">
-                        <a:lumMod val="75000"/>
-                      </a:schemeClr>
-                    </a:solidFill>
-                  </a:tcPr>
-                </a:tc>
-                <a:tc>
-                  <a:txBody>
-                    <a:bodyPr/>
-                    <a:lstStyle/>
-                    <a:p>
-                      <a:pPr algn="ctr"/>
-                      <a:r>
-                        <a:rPr lang="en-US" sz="3100" dirty="0"/>
-                        <a:t>Heading</a:t>
-                      </a:r>
-                    </a:p>
-                  </a:txBody>
-                  <a:tcPr marL="84076" marR="84076" marT="44577" marB="44577" anchor="ctr">
-                    <a:solidFill>
-                      <a:schemeClr val="accent1">
-                        <a:lumMod val="75000"/>
-                      </a:schemeClr>
-                    </a:solidFill>
-                  </a:tcPr>
-                </a:tc>
-                <a:extLst>
-                  <a:ext uri="{0D108BD9-81ED-4DB2-BD59-A6C34878D82A}">
-                    <a16:rowId xmlns:a16="http://schemas.microsoft.com/office/drawing/2014/main" val="10000"/>
-                  </a:ext>
-                </a:extLst>
-              </a:tr>
-              <a:tr h="923387">
-                <a:tc>
-                  <a:txBody>
-                    <a:bodyPr/>
-                    <a:lstStyle/>
-                    <a:p>
-                      <a:r>
-                        <a:rPr lang="en-US" sz="3100" dirty="0"/>
-                        <a:t>Item</a:t>
-                      </a:r>
-                    </a:p>
-                  </a:txBody>
-                  <a:tcPr marL="84076" marR="84076" marT="44577" marB="44577" anchor="ctr"/>
-                </a:tc>
-                <a:tc>
-                  <a:txBody>
-                    <a:bodyPr/>
-                    <a:lstStyle/>
-                    <a:p>
-                      <a:pPr algn="ctr"/>
-                      <a:r>
-                        <a:rPr lang="en-US" sz="3100" dirty="0"/>
-                        <a:t>800</a:t>
-                      </a:r>
-                    </a:p>
-                  </a:txBody>
-                  <a:tcPr marL="84076" marR="84076" marT="44577" marB="44577" anchor="ctr"/>
-                </a:tc>
-                <a:tc>
-                  <a:txBody>
-                    <a:bodyPr/>
-                    <a:lstStyle/>
-                    <a:p>
-                      <a:pPr algn="ctr"/>
-                      <a:r>
-                        <a:rPr lang="en-US" sz="3100" dirty="0"/>
-                        <a:t>790</a:t>
-                      </a:r>
-                    </a:p>
-                  </a:txBody>
-                  <a:tcPr marL="84076" marR="84076" marT="44577" marB="44577" anchor="ctr"/>
-                </a:tc>
-                <a:tc>
-                  <a:txBody>
-                    <a:bodyPr/>
-                    <a:lstStyle/>
-                    <a:p>
-                      <a:pPr algn="ctr"/>
-                      <a:r>
-                        <a:rPr lang="en-US" sz="3100" dirty="0"/>
-                        <a:t>4001</a:t>
-                      </a:r>
-                    </a:p>
-                  </a:txBody>
-                  <a:tcPr marL="84076" marR="84076" marT="44577" marB="44577" anchor="ctr"/>
-                </a:tc>
-                <a:extLst>
-                  <a:ext uri="{0D108BD9-81ED-4DB2-BD59-A6C34878D82A}">
-                    <a16:rowId xmlns:a16="http://schemas.microsoft.com/office/drawing/2014/main" val="10001"/>
-                  </a:ext>
-                </a:extLst>
-              </a:tr>
-              <a:tr h="923387">
-                <a:tc>
-                  <a:txBody>
-                    <a:bodyPr/>
-                    <a:lstStyle/>
-                    <a:p>
-                      <a:r>
-                        <a:rPr lang="en-US" sz="3100" dirty="0"/>
-                        <a:t>Item</a:t>
-                      </a:r>
-                    </a:p>
-                  </a:txBody>
-                  <a:tcPr marL="84076" marR="84076" marT="44577" marB="44577" anchor="ctr"/>
-                </a:tc>
-                <a:tc>
-                  <a:txBody>
-                    <a:bodyPr/>
-                    <a:lstStyle/>
-                    <a:p>
-                      <a:pPr algn="ctr"/>
-                      <a:r>
-                        <a:rPr lang="en-US" sz="3100" dirty="0"/>
-                        <a:t>356</a:t>
-                      </a:r>
-                    </a:p>
-                  </a:txBody>
-                  <a:tcPr marL="84076" marR="84076" marT="44577" marB="44577" anchor="ctr"/>
-                </a:tc>
-                <a:tc>
-                  <a:txBody>
-                    <a:bodyPr/>
-                    <a:lstStyle/>
-                    <a:p>
-                      <a:pPr algn="ctr"/>
-                      <a:r>
-                        <a:rPr lang="en-US" sz="3100" dirty="0"/>
-                        <a:t>856</a:t>
-                      </a:r>
-                    </a:p>
-                  </a:txBody>
-                  <a:tcPr marL="84076" marR="84076" marT="44577" marB="44577" anchor="ctr"/>
-                </a:tc>
-                <a:tc>
-                  <a:txBody>
-                    <a:bodyPr/>
-                    <a:lstStyle/>
-                    <a:p>
-                      <a:pPr algn="ctr"/>
-                      <a:r>
-                        <a:rPr lang="en-US" sz="3100" dirty="0"/>
-                        <a:t>290</a:t>
-                      </a:r>
-                    </a:p>
-                  </a:txBody>
-                  <a:tcPr marL="84076" marR="84076" marT="44577" marB="44577" anchor="ctr"/>
-                </a:tc>
-                <a:extLst>
-                  <a:ext uri="{0D108BD9-81ED-4DB2-BD59-A6C34878D82A}">
-                    <a16:rowId xmlns:a16="http://schemas.microsoft.com/office/drawing/2014/main" val="10002"/>
-                  </a:ext>
-                </a:extLst>
-              </a:tr>
-              <a:tr h="923387">
-                <a:tc>
-                  <a:txBody>
-                    <a:bodyPr/>
-                    <a:lstStyle/>
-                    <a:p>
-                      <a:r>
-                        <a:rPr lang="en-US" sz="3100" dirty="0"/>
-                        <a:t>Item</a:t>
-                      </a:r>
-                    </a:p>
-                  </a:txBody>
-                  <a:tcPr marL="84076" marR="84076" marT="44577" marB="44577" anchor="ctr"/>
-                </a:tc>
-                <a:tc>
-                  <a:txBody>
-                    <a:bodyPr/>
-                    <a:lstStyle/>
-                    <a:p>
-                      <a:pPr algn="ctr"/>
-                      <a:r>
-                        <a:rPr lang="en-US" sz="3100" dirty="0"/>
-                        <a:t>228</a:t>
-                      </a:r>
-                    </a:p>
-                  </a:txBody>
-                  <a:tcPr marL="84076" marR="84076" marT="44577" marB="44577" anchor="ctr"/>
-                </a:tc>
-                <a:tc>
-                  <a:txBody>
-                    <a:bodyPr/>
-                    <a:lstStyle/>
-                    <a:p>
-                      <a:pPr algn="ctr"/>
-                      <a:r>
-                        <a:rPr lang="en-US" sz="3100" dirty="0"/>
-                        <a:t>134</a:t>
-                      </a:r>
-                    </a:p>
-                  </a:txBody>
-                  <a:tcPr marL="84076" marR="84076" marT="44577" marB="44577" anchor="ctr"/>
-                </a:tc>
-                <a:tc>
-                  <a:txBody>
-                    <a:bodyPr/>
-                    <a:lstStyle/>
-                    <a:p>
-                      <a:pPr algn="ctr"/>
-                      <a:r>
-                        <a:rPr lang="en-US" sz="3100" dirty="0"/>
-                        <a:t>238</a:t>
-                      </a:r>
-                    </a:p>
-                  </a:txBody>
-                  <a:tcPr marL="84076" marR="84076" marT="44577" marB="44577" anchor="ctr"/>
-                </a:tc>
-                <a:extLst>
-                  <a:ext uri="{0D108BD9-81ED-4DB2-BD59-A6C34878D82A}">
-                    <a16:rowId xmlns:a16="http://schemas.microsoft.com/office/drawing/2014/main" val="10003"/>
-                  </a:ext>
-                </a:extLst>
-              </a:tr>
-              <a:tr h="923387">
-                <a:tc>
-                  <a:txBody>
-                    <a:bodyPr/>
-                    <a:lstStyle/>
-                    <a:p>
-                      <a:r>
-                        <a:rPr lang="en-US" sz="3100" dirty="0"/>
-                        <a:t>Item</a:t>
-                      </a:r>
-                    </a:p>
-                  </a:txBody>
-                  <a:tcPr marL="84076" marR="84076" marT="44577" marB="44577" anchor="ctr"/>
-                </a:tc>
-                <a:tc>
-                  <a:txBody>
-                    <a:bodyPr/>
-                    <a:lstStyle/>
-                    <a:p>
-                      <a:pPr algn="ctr"/>
-                      <a:r>
-                        <a:rPr lang="en-US" sz="3100" dirty="0"/>
-                        <a:t>954</a:t>
-                      </a:r>
-                    </a:p>
-                  </a:txBody>
-                  <a:tcPr marL="84076" marR="84076" marT="44577" marB="44577" anchor="ctr"/>
-                </a:tc>
-                <a:tc>
-                  <a:txBody>
-                    <a:bodyPr/>
-                    <a:lstStyle/>
-                    <a:p>
-                      <a:pPr algn="ctr"/>
-                      <a:r>
-                        <a:rPr lang="en-US" sz="3100" dirty="0"/>
-                        <a:t>875</a:t>
-                      </a:r>
-                    </a:p>
-                  </a:txBody>
-                  <a:tcPr marL="84076" marR="84076" marT="44577" marB="44577" anchor="ctr"/>
-                </a:tc>
-                <a:tc>
-                  <a:txBody>
-                    <a:bodyPr/>
-                    <a:lstStyle/>
-                    <a:p>
-                      <a:pPr algn="ctr"/>
-                      <a:r>
-                        <a:rPr lang="en-US" sz="3100" dirty="0"/>
-                        <a:t>976</a:t>
-                      </a:r>
-                    </a:p>
-                  </a:txBody>
-                  <a:tcPr marL="84076" marR="84076" marT="44577" marB="44577" anchor="ctr"/>
-                </a:tc>
-                <a:extLst>
-                  <a:ext uri="{0D108BD9-81ED-4DB2-BD59-A6C34878D82A}">
-                    <a16:rowId xmlns:a16="http://schemas.microsoft.com/office/drawing/2014/main" val="10004"/>
-                  </a:ext>
-                </a:extLst>
-              </a:tr>
-              <a:tr h="923387">
-                <a:tc>
-                  <a:txBody>
-                    <a:bodyPr/>
-                    <a:lstStyle/>
-                    <a:p>
-                      <a:r>
-                        <a:rPr lang="en-US" sz="3100" dirty="0"/>
-                        <a:t>Item</a:t>
-                      </a:r>
-                    </a:p>
-                  </a:txBody>
-                  <a:tcPr marL="84076" marR="84076" marT="44577" marB="44577" anchor="ctr"/>
-                </a:tc>
-                <a:tc>
-                  <a:txBody>
-                    <a:bodyPr/>
-                    <a:lstStyle/>
-                    <a:p>
-                      <a:pPr algn="ctr"/>
-                      <a:r>
-                        <a:rPr lang="en-US" sz="3100" dirty="0"/>
-                        <a:t>324</a:t>
-                      </a:r>
-                    </a:p>
-                  </a:txBody>
-                  <a:tcPr marL="84076" marR="84076" marT="44577" marB="44577" anchor="ctr"/>
-                </a:tc>
-                <a:tc>
-                  <a:txBody>
-                    <a:bodyPr/>
-                    <a:lstStyle/>
-                    <a:p>
-                      <a:pPr algn="ctr"/>
-                      <a:r>
-                        <a:rPr lang="en-US" sz="3100" dirty="0"/>
-                        <a:t>325</a:t>
-                      </a:r>
-                    </a:p>
-                  </a:txBody>
-                  <a:tcPr marL="84076" marR="84076" marT="44577" marB="44577" anchor="ctr"/>
-                </a:tc>
-                <a:tc>
-                  <a:txBody>
-                    <a:bodyPr/>
-                    <a:lstStyle/>
-                    <a:p>
-                      <a:pPr algn="ctr"/>
-                      <a:r>
-                        <a:rPr lang="en-US" sz="3100" dirty="0"/>
-                        <a:t>301</a:t>
-                      </a:r>
-                    </a:p>
-                  </a:txBody>
-                  <a:tcPr marL="84076" marR="84076" marT="44577" marB="44577" anchor="ctr"/>
-                </a:tc>
-                <a:extLst>
-                  <a:ext uri="{0D108BD9-81ED-4DB2-BD59-A6C34878D82A}">
-                    <a16:rowId xmlns:a16="http://schemas.microsoft.com/office/drawing/2014/main" val="10005"/>
-                  </a:ext>
-                </a:extLst>
-              </a:tr>
-              <a:tr h="923387">
-                <a:tc>
-                  <a:txBody>
-                    <a:bodyPr/>
-                    <a:lstStyle/>
-                    <a:p>
-                      <a:r>
-                        <a:rPr lang="en-US" sz="3100" dirty="0"/>
-                        <a:t>Item</a:t>
-                      </a:r>
-                    </a:p>
-                  </a:txBody>
-                  <a:tcPr marL="84076" marR="84076" marT="44577" marB="44577" anchor="ctr"/>
-                </a:tc>
-                <a:tc>
-                  <a:txBody>
-                    <a:bodyPr/>
-                    <a:lstStyle/>
-                    <a:p>
-                      <a:pPr algn="ctr"/>
-                      <a:r>
-                        <a:rPr lang="en-US" sz="3100" dirty="0"/>
-                        <a:t>199</a:t>
-                      </a:r>
-                    </a:p>
-                  </a:txBody>
-                  <a:tcPr marL="84076" marR="84076" marT="44577" marB="44577" anchor="ctr"/>
-                </a:tc>
-                <a:tc>
-                  <a:txBody>
-                    <a:bodyPr/>
-                    <a:lstStyle/>
-                    <a:p>
-                      <a:pPr algn="ctr"/>
-                      <a:r>
-                        <a:rPr lang="en-US" sz="3100" dirty="0"/>
-                        <a:t>137</a:t>
-                      </a:r>
-                    </a:p>
-                  </a:txBody>
-                  <a:tcPr marL="84076" marR="84076" marT="44577" marB="44577" anchor="ctr"/>
-                </a:tc>
-                <a:tc>
-                  <a:txBody>
-                    <a:bodyPr/>
-                    <a:lstStyle/>
-                    <a:p>
-                      <a:pPr algn="ctr"/>
-                      <a:r>
-                        <a:rPr lang="en-US" sz="3100" dirty="0"/>
-                        <a:t>186</a:t>
-                      </a:r>
-                    </a:p>
-                  </a:txBody>
-                  <a:tcPr marL="84076" marR="84076" marT="44577" marB="44577" anchor="ctr"/>
-                </a:tc>
-                <a:extLst>
-                  <a:ext uri="{0D108BD9-81ED-4DB2-BD59-A6C34878D82A}">
-                    <a16:rowId xmlns:a16="http://schemas.microsoft.com/office/drawing/2014/main" val="10006"/>
-                  </a:ext>
-                </a:extLst>
-              </a:tr>
-            </a:tbl>
-          </a:graphicData>
-        </a:graphic>
-      </p:graphicFrame>
       <p:sp>
         <p:nvSpPr>
           <p:cNvPr id="11" name="Text Box 190"/>
@@ -5014,7 +4032,7 @@
         </p:nvSpPr>
         <p:spPr>
           <a:xfrm>
-            <a:off x="10929850" y="16493613"/>
+            <a:off x="10925563" y="6240826"/>
             <a:ext cx="8407576" cy="891547"/>
           </a:xfrm>
           <a:prstGeom prst="rect">
@@ -5056,116 +4074,11 @@
                   </a:schemeClr>
                 </a:solidFill>
               </a:rPr>
-              <a:t>Results</a:t>
+              <a:t>The Big Picture</a:t>
             </a:r>
           </a:p>
         </p:txBody>
       </p:sp>
-      <p:pic>
-        <p:nvPicPr>
-          <p:cNvPr id="49" name="Picture 178" descr="Picture1"/>
-          <p:cNvPicPr>
-            <a:picLocks noChangeAspect="1" noChangeArrowheads="1"/>
-          </p:cNvPicPr>
-          <p:nvPr/>
-        </p:nvPicPr>
-        <p:blipFill>
-          <a:blip r:embed="rId2">
-            <a:extLst>
-              <a:ext uri="{28A0092B-C50C-407E-A947-70E740481C1C}">
-                <a14:useLocalDpi xmlns:a14="http://schemas.microsoft.com/office/drawing/2010/main" val="0"/>
-              </a:ext>
-            </a:extLst>
-          </a:blip>
-          <a:srcRect/>
-          <a:stretch>
-            <a:fillRect/>
-          </a:stretch>
-        </p:blipFill>
-        <p:spPr bwMode="auto">
-          <a:xfrm>
-            <a:off x="10959350" y="6305270"/>
-            <a:ext cx="3783410" cy="2674640"/>
-          </a:xfrm>
-          <a:prstGeom prst="rect">
-            <a:avLst/>
-          </a:prstGeom>
-          <a:noFill/>
-          <a:ln w="9525">
-            <a:solidFill>
-              <a:schemeClr val="tx2">
-                <a:lumMod val="50000"/>
-              </a:schemeClr>
-            </a:solidFill>
-            <a:miter lim="800000"/>
-            <a:headEnd/>
-            <a:tailEnd/>
-          </a:ln>
-          <a:extLst>
-            <a:ext uri="{909E8E84-426E-40DD-AFC4-6F175D3DCCD1}">
-              <a14:hiddenFill xmlns:a14="http://schemas.microsoft.com/office/drawing/2010/main">
-                <a:solidFill>
-                  <a:srgbClr val="FFFFFF"/>
-                </a:solidFill>
-              </a14:hiddenFill>
-            </a:ext>
-          </a:extLst>
-        </p:spPr>
-      </p:pic>
-      <p:pic>
-        <p:nvPicPr>
-          <p:cNvPr id="50" name="Picture 179" descr="Picture2"/>
-          <p:cNvPicPr>
-            <a:picLocks noChangeAspect="1" noChangeArrowheads="1"/>
-          </p:cNvPicPr>
-          <p:nvPr/>
-        </p:nvPicPr>
-        <p:blipFill>
-          <a:blip r:embed="rId3">
-            <a:extLst>
-              <a:ext uri="{28A0092B-C50C-407E-A947-70E740481C1C}">
-                <a14:useLocalDpi xmlns:a14="http://schemas.microsoft.com/office/drawing/2010/main" val="0"/>
-              </a:ext>
-            </a:extLst>
-          </a:blip>
-          <a:srcRect/>
-          <a:stretch>
-            <a:fillRect/>
-          </a:stretch>
-        </p:blipFill>
-        <p:spPr bwMode="auto">
-          <a:xfrm>
-            <a:off x="15583518" y="6305270"/>
-            <a:ext cx="3783410" cy="2674640"/>
-          </a:xfrm>
-          <a:prstGeom prst="rect">
-            <a:avLst/>
-          </a:prstGeom>
-          <a:noFill/>
-          <a:ln>
-            <a:noFill/>
-          </a:ln>
-          <a:extLst>
-            <a:ext uri="{909E8E84-426E-40DD-AFC4-6F175D3DCCD1}">
-              <a14:hiddenFill xmlns:a14="http://schemas.microsoft.com/office/drawing/2010/main">
-                <a:solidFill>
-                  <a:srgbClr val="FFFFFF"/>
-                </a:solidFill>
-              </a14:hiddenFill>
-            </a:ext>
-            <a:ext uri="{91240B29-F687-4F45-9708-019B960494DF}">
-              <a14:hiddenLine xmlns:a14="http://schemas.microsoft.com/office/drawing/2010/main" w="9525">
-                <a:solidFill>
-                  <a:srgbClr val="000000"/>
-                </a:solidFill>
-                <a:miter lim="800000"/>
-                <a:headEnd/>
-                <a:tailEnd/>
-              </a14:hiddenLine>
-            </a:ext>
-          </a:extLst>
-        </p:spPr>
-      </p:pic>
       <p:sp>
         <p:nvSpPr>
           <p:cNvPr id="51" name="Text Box 180"/>
@@ -5176,8 +4089,8 @@
         </p:nvSpPr>
         <p:spPr bwMode="auto">
           <a:xfrm>
-            <a:off x="10959353" y="9198444"/>
-            <a:ext cx="3884987" cy="457151"/>
+            <a:off x="10896217" y="12136109"/>
+            <a:ext cx="3423131" cy="457151"/>
           </a:xfrm>
           <a:prstGeom prst="rect">
             <a:avLst/>
@@ -5330,14 +4243,14 @@
               <a:rPr lang="en-US" sz="2400" dirty="0">
                 <a:latin typeface="Calibri" pitchFamily="34" charset="0"/>
               </a:rPr>
-              <a:t> Label in 24pt Calibri.</a:t>
+              <a:t> Total repartition</a:t>
             </a:r>
           </a:p>
         </p:txBody>
       </p:sp>
       <p:sp>
         <p:nvSpPr>
-          <p:cNvPr id="52" name="Text Box 181"/>
+          <p:cNvPr id="53" name="Text Box 180"/>
           <p:cNvSpPr txBox="1">
             <a:spLocks noChangeArrowheads="1"/>
           </p:cNvSpPr>
@@ -5345,8 +4258,8 @@
         </p:nvSpPr>
         <p:spPr bwMode="auto">
           <a:xfrm>
-            <a:off x="15583519" y="9198444"/>
-            <a:ext cx="3884987" cy="457151"/>
+            <a:off x="10938943" y="28712368"/>
+            <a:ext cx="5630466" cy="457151"/>
           </a:xfrm>
           <a:prstGeom prst="rect">
             <a:avLst/>
@@ -5488,378 +4401,18 @@
             </a:lvl9pPr>
           </a:lstStyle>
           <a:p>
-            <a:pPr eaLnBrk="1" hangingPunct="1"/>
+            <a:pPr algn="ctr" eaLnBrk="1" hangingPunct="1"/>
             <a:r>
               <a:rPr lang="en-US" sz="2400" b="1" dirty="0">
                 <a:latin typeface="Calibri" pitchFamily="34" charset="0"/>
               </a:rPr>
-              <a:t>Figure 2.</a:t>
+              <a:t>Figure 3.</a:t>
             </a:r>
             <a:r>
               <a:rPr lang="en-US" sz="2400" dirty="0">
                 <a:latin typeface="Calibri" pitchFamily="34" charset="0"/>
               </a:rPr>
-              <a:t> Label in 24pt Calibri.</a:t>
-            </a:r>
-          </a:p>
-        </p:txBody>
-      </p:sp>
-      <p:sp>
-        <p:nvSpPr>
-          <p:cNvPr id="53" name="Text Box 180"/>
-          <p:cNvSpPr txBox="1">
-            <a:spLocks noChangeArrowheads="1"/>
-          </p:cNvSpPr>
-          <p:nvPr/>
-        </p:nvSpPr>
-        <p:spPr bwMode="auto">
-          <a:xfrm>
-            <a:off x="10782037" y="29119504"/>
-            <a:ext cx="3773803" cy="457151"/>
-          </a:xfrm>
-          <a:prstGeom prst="rect">
-            <a:avLst/>
-          </a:prstGeom>
-          <a:noFill/>
-          <a:ln>
-            <a:noFill/>
-          </a:ln>
-          <a:effectLst/>
-          <a:extLst>
-            <a:ext uri="{909E8E84-426E-40DD-AFC4-6F175D3DCCD1}">
-              <a14:hiddenFill xmlns:a14="http://schemas.microsoft.com/office/drawing/2010/main">
-                <a:solidFill>
-                  <a:schemeClr val="accent1"/>
-                </a:solidFill>
-              </a14:hiddenFill>
-            </a:ext>
-            <a:ext uri="{91240B29-F687-4F45-9708-019B960494DF}">
-              <a14:hiddenLine xmlns:a14="http://schemas.microsoft.com/office/drawing/2010/main" w="9525">
-                <a:solidFill>
-                  <a:schemeClr val="tx1"/>
-                </a:solidFill>
-                <a:miter lim="800000"/>
-                <a:headEnd/>
-                <a:tailEnd/>
-              </a14:hiddenLine>
-            </a:ext>
-            <a:ext uri="{AF507438-7753-43E0-B8FC-AC1667EBCBE1}">
-              <a14:hiddenEffects xmlns:a14="http://schemas.microsoft.com/office/drawing/2010/main">
-                <a:effectLst>
-                  <a:outerShdw dist="35921" dir="2700000" algn="ctr" rotWithShape="0">
-                    <a:schemeClr val="bg2"/>
-                  </a:outerShdw>
-                </a:effectLst>
-              </a14:hiddenEffects>
-            </a:ext>
-          </a:extLst>
-        </p:spPr>
-        <p:txBody>
-          <a:bodyPr wrap="none" lIns="86970" tIns="43485" rIns="86970" bIns="43485">
-            <a:spAutoFit/>
-          </a:bodyPr>
-          <a:lstStyle>
-            <a:lvl1pPr defTabSz="4389438" eaLnBrk="0" hangingPunct="0">
-              <a:defRPr sz="2200">
-                <a:solidFill>
-                  <a:schemeClr val="tx1"/>
-                </a:solidFill>
-                <a:latin typeface="Arial" charset="0"/>
-              </a:defRPr>
-            </a:lvl1pPr>
-            <a:lvl2pPr marL="742950" indent="-285750" defTabSz="4389438" eaLnBrk="0" hangingPunct="0">
-              <a:defRPr sz="2200">
-                <a:solidFill>
-                  <a:schemeClr val="tx1"/>
-                </a:solidFill>
-                <a:latin typeface="Arial" charset="0"/>
-              </a:defRPr>
-            </a:lvl2pPr>
-            <a:lvl3pPr marL="1143000" indent="-228600" defTabSz="4389438" eaLnBrk="0" hangingPunct="0">
-              <a:defRPr sz="2200">
-                <a:solidFill>
-                  <a:schemeClr val="tx1"/>
-                </a:solidFill>
-                <a:latin typeface="Arial" charset="0"/>
-              </a:defRPr>
-            </a:lvl3pPr>
-            <a:lvl4pPr marL="1600200" indent="-228600" defTabSz="4389438" eaLnBrk="0" hangingPunct="0">
-              <a:defRPr sz="2200">
-                <a:solidFill>
-                  <a:schemeClr val="tx1"/>
-                </a:solidFill>
-                <a:latin typeface="Arial" charset="0"/>
-              </a:defRPr>
-            </a:lvl4pPr>
-            <a:lvl5pPr marL="2057400" indent="-228600" defTabSz="4389438" eaLnBrk="0" hangingPunct="0">
-              <a:defRPr sz="2200">
-                <a:solidFill>
-                  <a:schemeClr val="tx1"/>
-                </a:solidFill>
-                <a:latin typeface="Arial" charset="0"/>
-              </a:defRPr>
-            </a:lvl5pPr>
-            <a:lvl6pPr marL="2514600" indent="-228600" defTabSz="4389438" eaLnBrk="0" fontAlgn="base" hangingPunct="0">
-              <a:spcBef>
-                <a:spcPct val="0"/>
-              </a:spcBef>
-              <a:spcAft>
-                <a:spcPct val="0"/>
-              </a:spcAft>
-              <a:defRPr sz="2200">
-                <a:solidFill>
-                  <a:schemeClr val="tx1"/>
-                </a:solidFill>
-                <a:latin typeface="Arial" charset="0"/>
-              </a:defRPr>
-            </a:lvl6pPr>
-            <a:lvl7pPr marL="2971800" indent="-228600" defTabSz="4389438" eaLnBrk="0" fontAlgn="base" hangingPunct="0">
-              <a:spcBef>
-                <a:spcPct val="0"/>
-              </a:spcBef>
-              <a:spcAft>
-                <a:spcPct val="0"/>
-              </a:spcAft>
-              <a:defRPr sz="2200">
-                <a:solidFill>
-                  <a:schemeClr val="tx1"/>
-                </a:solidFill>
-                <a:latin typeface="Arial" charset="0"/>
-              </a:defRPr>
-            </a:lvl7pPr>
-            <a:lvl8pPr marL="3429000" indent="-228600" defTabSz="4389438" eaLnBrk="0" fontAlgn="base" hangingPunct="0">
-              <a:spcBef>
-                <a:spcPct val="0"/>
-              </a:spcBef>
-              <a:spcAft>
-                <a:spcPct val="0"/>
-              </a:spcAft>
-              <a:defRPr sz="2200">
-                <a:solidFill>
-                  <a:schemeClr val="tx1"/>
-                </a:solidFill>
-                <a:latin typeface="Arial" charset="0"/>
-              </a:defRPr>
-            </a:lvl8pPr>
-            <a:lvl9pPr marL="3886200" indent="-228600" defTabSz="4389438" eaLnBrk="0" fontAlgn="base" hangingPunct="0">
-              <a:spcBef>
-                <a:spcPct val="0"/>
-              </a:spcBef>
-              <a:spcAft>
-                <a:spcPct val="0"/>
-              </a:spcAft>
-              <a:defRPr sz="2200">
-                <a:solidFill>
-                  <a:schemeClr val="tx1"/>
-                </a:solidFill>
-                <a:latin typeface="Arial" charset="0"/>
-              </a:defRPr>
-            </a:lvl9pPr>
-          </a:lstStyle>
-          <a:p>
-            <a:pPr algn="ctr" eaLnBrk="1" hangingPunct="1"/>
-            <a:r>
-              <a:rPr lang="en-US" sz="2400" b="1" dirty="0">
-                <a:latin typeface="Calibri" pitchFamily="34" charset="0"/>
-              </a:rPr>
-              <a:t>Table 1.</a:t>
-            </a:r>
-            <a:r>
-              <a:rPr lang="en-US" sz="2400" dirty="0">
-                <a:latin typeface="Calibri" pitchFamily="34" charset="0"/>
-              </a:rPr>
-              <a:t> Label in 24pt Calibri.</a:t>
-            </a:r>
-          </a:p>
-        </p:txBody>
-      </p:sp>
-      <p:graphicFrame>
-        <p:nvGraphicFramePr>
-          <p:cNvPr id="3" name="Chart 2"/>
-          <p:cNvGraphicFramePr/>
-          <p:nvPr>
-            <p:extLst>
-              <p:ext uri="{D42A27DB-BD31-4B8C-83A1-F6EECF244321}">
-                <p14:modId xmlns:p14="http://schemas.microsoft.com/office/powerpoint/2010/main" val="179898658"/>
-              </p:ext>
-            </p:extLst>
-          </p:nvPr>
-        </p:nvGraphicFramePr>
-        <p:xfrm>
-          <a:off x="20211155" y="6686601"/>
-          <a:ext cx="8407576" cy="8076380"/>
-        </p:xfrm>
-        <a:graphic>
-          <a:graphicData uri="http://schemas.openxmlformats.org/drawingml/2006/chart">
-            <c:chart xmlns:c="http://schemas.openxmlformats.org/drawingml/2006/chart" xmlns:r="http://schemas.openxmlformats.org/officeDocument/2006/relationships" r:id="rId4"/>
-          </a:graphicData>
-        </a:graphic>
-      </p:graphicFrame>
-      <p:sp>
-        <p:nvSpPr>
-          <p:cNvPr id="37" name="Text Box 180"/>
-          <p:cNvSpPr txBox="1">
-            <a:spLocks noChangeArrowheads="1"/>
-          </p:cNvSpPr>
-          <p:nvPr/>
-        </p:nvSpPr>
-        <p:spPr bwMode="auto">
-          <a:xfrm>
-            <a:off x="20040943" y="15156294"/>
-            <a:ext cx="3793873" cy="457151"/>
-          </a:xfrm>
-          <a:prstGeom prst="rect">
-            <a:avLst/>
-          </a:prstGeom>
-          <a:noFill/>
-          <a:ln>
-            <a:noFill/>
-          </a:ln>
-          <a:effectLst/>
-          <a:extLst>
-            <a:ext uri="{909E8E84-426E-40DD-AFC4-6F175D3DCCD1}">
-              <a14:hiddenFill xmlns:a14="http://schemas.microsoft.com/office/drawing/2010/main">
-                <a:solidFill>
-                  <a:schemeClr val="accent1"/>
-                </a:solidFill>
-              </a14:hiddenFill>
-            </a:ext>
-            <a:ext uri="{91240B29-F687-4F45-9708-019B960494DF}">
-              <a14:hiddenLine xmlns:a14="http://schemas.microsoft.com/office/drawing/2010/main" w="9525">
-                <a:solidFill>
-                  <a:schemeClr val="tx1"/>
-                </a:solidFill>
-                <a:miter lim="800000"/>
-                <a:headEnd/>
-                <a:tailEnd/>
-              </a14:hiddenLine>
-            </a:ext>
-            <a:ext uri="{AF507438-7753-43E0-B8FC-AC1667EBCBE1}">
-              <a14:hiddenEffects xmlns:a14="http://schemas.microsoft.com/office/drawing/2010/main">
-                <a:effectLst>
-                  <a:outerShdw dist="35921" dir="2700000" algn="ctr" rotWithShape="0">
-                    <a:schemeClr val="bg2"/>
-                  </a:outerShdw>
-                </a:effectLst>
-              </a14:hiddenEffects>
-            </a:ext>
-          </a:extLst>
-        </p:spPr>
-        <p:txBody>
-          <a:bodyPr wrap="none" lIns="86970" tIns="43485" rIns="86970" bIns="43485">
-            <a:spAutoFit/>
-          </a:bodyPr>
-          <a:lstStyle>
-            <a:lvl1pPr defTabSz="4389438" eaLnBrk="0" hangingPunct="0">
-              <a:defRPr sz="2200">
-                <a:solidFill>
-                  <a:schemeClr val="tx1"/>
-                </a:solidFill>
-                <a:latin typeface="Arial" charset="0"/>
-              </a:defRPr>
-            </a:lvl1pPr>
-            <a:lvl2pPr marL="742950" indent="-285750" defTabSz="4389438" eaLnBrk="0" hangingPunct="0">
-              <a:defRPr sz="2200">
-                <a:solidFill>
-                  <a:schemeClr val="tx1"/>
-                </a:solidFill>
-                <a:latin typeface="Arial" charset="0"/>
-              </a:defRPr>
-            </a:lvl2pPr>
-            <a:lvl3pPr marL="1143000" indent="-228600" defTabSz="4389438" eaLnBrk="0" hangingPunct="0">
-              <a:defRPr sz="2200">
-                <a:solidFill>
-                  <a:schemeClr val="tx1"/>
-                </a:solidFill>
-                <a:latin typeface="Arial" charset="0"/>
-              </a:defRPr>
-            </a:lvl3pPr>
-            <a:lvl4pPr marL="1600200" indent="-228600" defTabSz="4389438" eaLnBrk="0" hangingPunct="0">
-              <a:defRPr sz="2200">
-                <a:solidFill>
-                  <a:schemeClr val="tx1"/>
-                </a:solidFill>
-                <a:latin typeface="Arial" charset="0"/>
-              </a:defRPr>
-            </a:lvl4pPr>
-            <a:lvl5pPr marL="2057400" indent="-228600" defTabSz="4389438" eaLnBrk="0" hangingPunct="0">
-              <a:defRPr sz="2200">
-                <a:solidFill>
-                  <a:schemeClr val="tx1"/>
-                </a:solidFill>
-                <a:latin typeface="Arial" charset="0"/>
-              </a:defRPr>
-            </a:lvl5pPr>
-            <a:lvl6pPr marL="2514600" indent="-228600" defTabSz="4389438" eaLnBrk="0" fontAlgn="base" hangingPunct="0">
-              <a:spcBef>
-                <a:spcPct val="0"/>
-              </a:spcBef>
-              <a:spcAft>
-                <a:spcPct val="0"/>
-              </a:spcAft>
-              <a:defRPr sz="2200">
-                <a:solidFill>
-                  <a:schemeClr val="tx1"/>
-                </a:solidFill>
-                <a:latin typeface="Arial" charset="0"/>
-              </a:defRPr>
-            </a:lvl6pPr>
-            <a:lvl7pPr marL="2971800" indent="-228600" defTabSz="4389438" eaLnBrk="0" fontAlgn="base" hangingPunct="0">
-              <a:spcBef>
-                <a:spcPct val="0"/>
-              </a:spcBef>
-              <a:spcAft>
-                <a:spcPct val="0"/>
-              </a:spcAft>
-              <a:defRPr sz="2200">
-                <a:solidFill>
-                  <a:schemeClr val="tx1"/>
-                </a:solidFill>
-                <a:latin typeface="Arial" charset="0"/>
-              </a:defRPr>
-            </a:lvl7pPr>
-            <a:lvl8pPr marL="3429000" indent="-228600" defTabSz="4389438" eaLnBrk="0" fontAlgn="base" hangingPunct="0">
-              <a:spcBef>
-                <a:spcPct val="0"/>
-              </a:spcBef>
-              <a:spcAft>
-                <a:spcPct val="0"/>
-              </a:spcAft>
-              <a:defRPr sz="2200">
-                <a:solidFill>
-                  <a:schemeClr val="tx1"/>
-                </a:solidFill>
-                <a:latin typeface="Arial" charset="0"/>
-              </a:defRPr>
-            </a:lvl8pPr>
-            <a:lvl9pPr marL="3886200" indent="-228600" defTabSz="4389438" eaLnBrk="0" fontAlgn="base" hangingPunct="0">
-              <a:spcBef>
-                <a:spcPct val="0"/>
-              </a:spcBef>
-              <a:spcAft>
-                <a:spcPct val="0"/>
-              </a:spcAft>
-              <a:defRPr sz="2200">
-                <a:solidFill>
-                  <a:schemeClr val="tx1"/>
-                </a:solidFill>
-                <a:latin typeface="Arial" charset="0"/>
-              </a:defRPr>
-            </a:lvl9pPr>
-          </a:lstStyle>
-          <a:p>
-            <a:pPr algn="ctr" eaLnBrk="1" hangingPunct="1"/>
-            <a:r>
-              <a:rPr lang="en-US" sz="2400" b="1" dirty="0">
-                <a:latin typeface="Calibri" pitchFamily="34" charset="0"/>
-              </a:rPr>
-              <a:t>Chart 1.</a:t>
-            </a:r>
-            <a:r>
-              <a:rPr lang="en-US" sz="2400" dirty="0">
-                <a:latin typeface="Calibri" pitchFamily="34" charset="0"/>
-              </a:rPr>
-              <a:t> Label in 24pt Calibri.</a:t>
+              <a:t> Genre repartition over the dataset</a:t>
             </a:r>
           </a:p>
         </p:txBody>
@@ -5879,7 +4432,7 @@
           <p:nvPr/>
         </p:nvPicPr>
         <p:blipFill>
-          <a:blip r:embed="rId5">
+          <a:blip r:embed="rId2">
             <a:extLst>
               <a:ext uri="{28A0092B-C50C-407E-A947-70E740481C1C}">
                 <a14:useLocalDpi xmlns:a14="http://schemas.microsoft.com/office/drawing/2010/main" val="0"/>
@@ -6166,7 +4719,7 @@
           <p:nvPr/>
         </p:nvPicPr>
         <p:blipFill>
-          <a:blip r:embed="rId6">
+          <a:blip r:embed="rId3">
             <a:extLst>
               <a:ext uri="{28A0092B-C50C-407E-A947-70E740481C1C}">
                 <a14:useLocalDpi xmlns:a14="http://schemas.microsoft.com/office/drawing/2010/main" val="0"/>
@@ -6187,6 +4740,1673 @@
           </a:prstGeom>
         </p:spPr>
       </p:pic>
+      <p:pic>
+        <p:nvPicPr>
+          <p:cNvPr id="16" name="Graphique 15">
+            <a:extLst>
+              <a:ext uri="{FF2B5EF4-FFF2-40B4-BE49-F238E27FC236}">
+                <a16:creationId xmlns:a16="http://schemas.microsoft.com/office/drawing/2014/main" id="{6DAFC0F7-D842-417F-864A-7BA657E9612E}"/>
+              </a:ext>
+            </a:extLst>
+          </p:cNvPr>
+          <p:cNvPicPr>
+            <a:picLocks noChangeAspect="1"/>
+          </p:cNvPicPr>
+          <p:nvPr/>
+        </p:nvPicPr>
+        <p:blipFill rotWithShape="1">
+          <a:blip r:embed="rId4">
+            <a:extLst>
+              <a:ext uri="{28A0092B-C50C-407E-A947-70E740481C1C}">
+                <a14:useLocalDpi xmlns:a14="http://schemas.microsoft.com/office/drawing/2010/main" val="0"/>
+              </a:ext>
+              <a:ext uri="{96DAC541-7B7A-43D3-8B79-37D633B846F1}">
+                <asvg:svgBlip xmlns:asvg="http://schemas.microsoft.com/office/drawing/2016/SVG/main" r:embed="rId5"/>
+              </a:ext>
+            </a:extLst>
+          </a:blip>
+          <a:srcRect l="27984" t="15304" r="17067" b="14930"/>
+          <a:stretch/>
+        </p:blipFill>
+        <p:spPr>
+          <a:xfrm>
+            <a:off x="10920483" y="7829288"/>
+            <a:ext cx="4387797" cy="3713922"/>
+          </a:xfrm>
+          <a:prstGeom prst="rect">
+            <a:avLst/>
+          </a:prstGeom>
+        </p:spPr>
+      </p:pic>
+      <p:sp>
+        <p:nvSpPr>
+          <p:cNvPr id="39" name="Text Box 180">
+            <a:extLst>
+              <a:ext uri="{FF2B5EF4-FFF2-40B4-BE49-F238E27FC236}">
+                <a16:creationId xmlns:a16="http://schemas.microsoft.com/office/drawing/2014/main" id="{41E67934-0156-4D7E-B0F9-736C45C1F778}"/>
+              </a:ext>
+            </a:extLst>
+          </p:cNvPr>
+          <p:cNvSpPr txBox="1">
+            <a:spLocks noChangeArrowheads="1"/>
+          </p:cNvSpPr>
+          <p:nvPr/>
+        </p:nvSpPr>
+        <p:spPr bwMode="auto">
+          <a:xfrm>
+            <a:off x="15561125" y="11799831"/>
+            <a:ext cx="3805802" cy="826483"/>
+          </a:xfrm>
+          <a:prstGeom prst="rect">
+            <a:avLst/>
+          </a:prstGeom>
+          <a:noFill/>
+          <a:ln>
+            <a:noFill/>
+          </a:ln>
+          <a:effectLst/>
+          <a:extLst>
+            <a:ext uri="{909E8E84-426E-40DD-AFC4-6F175D3DCCD1}">
+              <a14:hiddenFill xmlns:a14="http://schemas.microsoft.com/office/drawing/2010/main">
+                <a:solidFill>
+                  <a:schemeClr val="accent1"/>
+                </a:solidFill>
+              </a14:hiddenFill>
+            </a:ext>
+            <a:ext uri="{91240B29-F687-4F45-9708-019B960494DF}">
+              <a14:hiddenLine xmlns:a14="http://schemas.microsoft.com/office/drawing/2010/main" w="9525">
+                <a:solidFill>
+                  <a:schemeClr val="tx1"/>
+                </a:solidFill>
+                <a:miter lim="800000"/>
+                <a:headEnd/>
+                <a:tailEnd/>
+              </a14:hiddenLine>
+            </a:ext>
+            <a:ext uri="{AF507438-7753-43E0-B8FC-AC1667EBCBE1}">
+              <a14:hiddenEffects xmlns:a14="http://schemas.microsoft.com/office/drawing/2010/main">
+                <a:effectLst>
+                  <a:outerShdw dist="35921" dir="2700000" algn="ctr" rotWithShape="0">
+                    <a:schemeClr val="bg2"/>
+                  </a:outerShdw>
+                </a:effectLst>
+              </a14:hiddenEffects>
+            </a:ext>
+          </a:extLst>
+        </p:spPr>
+        <p:txBody>
+          <a:bodyPr wrap="square" lIns="86970" tIns="43485" rIns="86970" bIns="43485">
+            <a:spAutoFit/>
+          </a:bodyPr>
+          <a:lstStyle>
+            <a:lvl1pPr defTabSz="4389438" eaLnBrk="0" hangingPunct="0">
+              <a:defRPr sz="2200">
+                <a:solidFill>
+                  <a:schemeClr val="tx1"/>
+                </a:solidFill>
+                <a:latin typeface="Arial" charset="0"/>
+              </a:defRPr>
+            </a:lvl1pPr>
+            <a:lvl2pPr marL="742950" indent="-285750" defTabSz="4389438" eaLnBrk="0" hangingPunct="0">
+              <a:defRPr sz="2200">
+                <a:solidFill>
+                  <a:schemeClr val="tx1"/>
+                </a:solidFill>
+                <a:latin typeface="Arial" charset="0"/>
+              </a:defRPr>
+            </a:lvl2pPr>
+            <a:lvl3pPr marL="1143000" indent="-228600" defTabSz="4389438" eaLnBrk="0" hangingPunct="0">
+              <a:defRPr sz="2200">
+                <a:solidFill>
+                  <a:schemeClr val="tx1"/>
+                </a:solidFill>
+                <a:latin typeface="Arial" charset="0"/>
+              </a:defRPr>
+            </a:lvl3pPr>
+            <a:lvl4pPr marL="1600200" indent="-228600" defTabSz="4389438" eaLnBrk="0" hangingPunct="0">
+              <a:defRPr sz="2200">
+                <a:solidFill>
+                  <a:schemeClr val="tx1"/>
+                </a:solidFill>
+                <a:latin typeface="Arial" charset="0"/>
+              </a:defRPr>
+            </a:lvl4pPr>
+            <a:lvl5pPr marL="2057400" indent="-228600" defTabSz="4389438" eaLnBrk="0" hangingPunct="0">
+              <a:defRPr sz="2200">
+                <a:solidFill>
+                  <a:schemeClr val="tx1"/>
+                </a:solidFill>
+                <a:latin typeface="Arial" charset="0"/>
+              </a:defRPr>
+            </a:lvl5pPr>
+            <a:lvl6pPr marL="2514600" indent="-228600" defTabSz="4389438" eaLnBrk="0" fontAlgn="base" hangingPunct="0">
+              <a:spcBef>
+                <a:spcPct val="0"/>
+              </a:spcBef>
+              <a:spcAft>
+                <a:spcPct val="0"/>
+              </a:spcAft>
+              <a:defRPr sz="2200">
+                <a:solidFill>
+                  <a:schemeClr val="tx1"/>
+                </a:solidFill>
+                <a:latin typeface="Arial" charset="0"/>
+              </a:defRPr>
+            </a:lvl6pPr>
+            <a:lvl7pPr marL="2971800" indent="-228600" defTabSz="4389438" eaLnBrk="0" fontAlgn="base" hangingPunct="0">
+              <a:spcBef>
+                <a:spcPct val="0"/>
+              </a:spcBef>
+              <a:spcAft>
+                <a:spcPct val="0"/>
+              </a:spcAft>
+              <a:defRPr sz="2200">
+                <a:solidFill>
+                  <a:schemeClr val="tx1"/>
+                </a:solidFill>
+                <a:latin typeface="Arial" charset="0"/>
+              </a:defRPr>
+            </a:lvl7pPr>
+            <a:lvl8pPr marL="3429000" indent="-228600" defTabSz="4389438" eaLnBrk="0" fontAlgn="base" hangingPunct="0">
+              <a:spcBef>
+                <a:spcPct val="0"/>
+              </a:spcBef>
+              <a:spcAft>
+                <a:spcPct val="0"/>
+              </a:spcAft>
+              <a:defRPr sz="2200">
+                <a:solidFill>
+                  <a:schemeClr val="tx1"/>
+                </a:solidFill>
+                <a:latin typeface="Arial" charset="0"/>
+              </a:defRPr>
+            </a:lvl8pPr>
+            <a:lvl9pPr marL="3886200" indent="-228600" defTabSz="4389438" eaLnBrk="0" fontAlgn="base" hangingPunct="0">
+              <a:spcBef>
+                <a:spcPct val="0"/>
+              </a:spcBef>
+              <a:spcAft>
+                <a:spcPct val="0"/>
+              </a:spcAft>
+              <a:defRPr sz="2200">
+                <a:solidFill>
+                  <a:schemeClr val="tx1"/>
+                </a:solidFill>
+                <a:latin typeface="Arial" charset="0"/>
+              </a:defRPr>
+            </a:lvl9pPr>
+          </a:lstStyle>
+          <a:p>
+            <a:pPr eaLnBrk="1" hangingPunct="1"/>
+            <a:r>
+              <a:rPr lang="en-US" sz="2400" b="1" dirty="0">
+                <a:latin typeface="Calibri" pitchFamily="34" charset="0"/>
+              </a:rPr>
+              <a:t>Figure 2.</a:t>
+            </a:r>
+            <a:r>
+              <a:rPr lang="en-US" sz="2400" dirty="0">
+                <a:latin typeface="Calibri" pitchFamily="34" charset="0"/>
+              </a:rPr>
+              <a:t> Number of songs in each class over time</a:t>
+            </a:r>
+          </a:p>
+        </p:txBody>
+      </p:sp>
+      <p:sp>
+        <p:nvSpPr>
+          <p:cNvPr id="40" name="Rectangle 39">
+            <a:extLst>
+              <a:ext uri="{FF2B5EF4-FFF2-40B4-BE49-F238E27FC236}">
+                <a16:creationId xmlns:a16="http://schemas.microsoft.com/office/drawing/2014/main" id="{3E48554C-AF4A-482B-9FC1-DE4C40F21611}"/>
+              </a:ext>
+            </a:extLst>
+          </p:cNvPr>
+          <p:cNvSpPr/>
+          <p:nvPr/>
+        </p:nvSpPr>
+        <p:spPr>
+          <a:xfrm>
+            <a:off x="10959350" y="20048372"/>
+            <a:ext cx="8407576" cy="891547"/>
+          </a:xfrm>
+          <a:prstGeom prst="rect">
+            <a:avLst/>
+          </a:prstGeom>
+          <a:solidFill>
+            <a:schemeClr val="accent1">
+              <a:lumMod val="75000"/>
+            </a:schemeClr>
+          </a:solidFill>
+        </p:spPr>
+        <p:style>
+          <a:lnRef idx="2">
+            <a:schemeClr val="accent1">
+              <a:shade val="50000"/>
+            </a:schemeClr>
+          </a:lnRef>
+          <a:fillRef idx="1">
+            <a:schemeClr val="accent1"/>
+          </a:fillRef>
+          <a:effectRef idx="0">
+            <a:schemeClr val="accent1"/>
+          </a:effectRef>
+          <a:fontRef idx="minor">
+            <a:schemeClr val="lt1"/>
+          </a:fontRef>
+        </p:style>
+        <p:txBody>
+          <a:bodyPr lIns="86970" tIns="43485" rIns="86970" bIns="43485" rtlCol="0" anchor="ctr"/>
+          <a:lstStyle/>
+          <a:p>
+            <a:pPr algn="ctr"/>
+            <a:r>
+              <a:rPr lang="en-US" sz="5400" b="1" dirty="0">
+                <a:solidFill>
+                  <a:schemeClr val="accent3">
+                    <a:lumMod val="20000"/>
+                    <a:lumOff val="80000"/>
+                  </a:schemeClr>
+                </a:solidFill>
+              </a:rPr>
+              <a:t>Genre analysis</a:t>
+            </a:r>
+          </a:p>
+        </p:txBody>
+      </p:sp>
+      <p:pic>
+        <p:nvPicPr>
+          <p:cNvPr id="20" name="Graphique 19">
+            <a:extLst>
+              <a:ext uri="{FF2B5EF4-FFF2-40B4-BE49-F238E27FC236}">
+                <a16:creationId xmlns:a16="http://schemas.microsoft.com/office/drawing/2014/main" id="{3770CB85-3120-4C45-B723-78969229F2E3}"/>
+              </a:ext>
+            </a:extLst>
+          </p:cNvPr>
+          <p:cNvPicPr>
+            <a:picLocks noChangeAspect="1"/>
+          </p:cNvPicPr>
+          <p:nvPr/>
+        </p:nvPicPr>
+        <p:blipFill rotWithShape="1">
+          <a:blip r:embed="rId6">
+            <a:extLst>
+              <a:ext uri="{28A0092B-C50C-407E-A947-70E740481C1C}">
+                <a14:useLocalDpi xmlns:a14="http://schemas.microsoft.com/office/drawing/2010/main" val="0"/>
+              </a:ext>
+              <a:ext uri="{96DAC541-7B7A-43D3-8B79-37D633B846F1}">
+                <asvg:svgBlip xmlns:asvg="http://schemas.microsoft.com/office/drawing/2016/SVG/main" r:embed="rId7"/>
+              </a:ext>
+            </a:extLst>
+          </a:blip>
+          <a:srcRect l="19263" t="3266" r="11293" b="5068"/>
+          <a:stretch/>
+        </p:blipFill>
+        <p:spPr>
+          <a:xfrm>
+            <a:off x="10967287" y="21179876"/>
+            <a:ext cx="8424714" cy="7413746"/>
+          </a:xfrm>
+          <a:prstGeom prst="rect">
+            <a:avLst/>
+          </a:prstGeom>
+        </p:spPr>
+      </p:pic>
+      <p:sp>
+        <p:nvSpPr>
+          <p:cNvPr id="56" name="Text Box 180">
+            <a:extLst>
+              <a:ext uri="{FF2B5EF4-FFF2-40B4-BE49-F238E27FC236}">
+                <a16:creationId xmlns:a16="http://schemas.microsoft.com/office/drawing/2014/main" id="{21924861-30F2-4C2F-BCAD-DBCF4B11D775}"/>
+              </a:ext>
+            </a:extLst>
+          </p:cNvPr>
+          <p:cNvSpPr txBox="1">
+            <a:spLocks noChangeArrowheads="1"/>
+          </p:cNvSpPr>
+          <p:nvPr/>
+        </p:nvSpPr>
+        <p:spPr bwMode="auto">
+          <a:xfrm>
+            <a:off x="10804112" y="34960768"/>
+            <a:ext cx="8751063" cy="457151"/>
+          </a:xfrm>
+          <a:prstGeom prst="rect">
+            <a:avLst/>
+          </a:prstGeom>
+          <a:noFill/>
+          <a:ln>
+            <a:noFill/>
+          </a:ln>
+          <a:effectLst/>
+          <a:extLst>
+            <a:ext uri="{909E8E84-426E-40DD-AFC4-6F175D3DCCD1}">
+              <a14:hiddenFill xmlns:a14="http://schemas.microsoft.com/office/drawing/2010/main">
+                <a:solidFill>
+                  <a:schemeClr val="accent1"/>
+                </a:solidFill>
+              </a14:hiddenFill>
+            </a:ext>
+            <a:ext uri="{91240B29-F687-4F45-9708-019B960494DF}">
+              <a14:hiddenLine xmlns:a14="http://schemas.microsoft.com/office/drawing/2010/main" w="9525">
+                <a:solidFill>
+                  <a:schemeClr val="tx1"/>
+                </a:solidFill>
+                <a:miter lim="800000"/>
+                <a:headEnd/>
+                <a:tailEnd/>
+              </a14:hiddenLine>
+            </a:ext>
+            <a:ext uri="{AF507438-7753-43E0-B8FC-AC1667EBCBE1}">
+              <a14:hiddenEffects xmlns:a14="http://schemas.microsoft.com/office/drawing/2010/main">
+                <a:effectLst>
+                  <a:outerShdw dist="35921" dir="2700000" algn="ctr" rotWithShape="0">
+                    <a:schemeClr val="bg2"/>
+                  </a:outerShdw>
+                </a:effectLst>
+              </a14:hiddenEffects>
+            </a:ext>
+          </a:extLst>
+        </p:spPr>
+        <p:txBody>
+          <a:bodyPr wrap="none" lIns="86970" tIns="43485" rIns="86970" bIns="43485">
+            <a:spAutoFit/>
+          </a:bodyPr>
+          <a:lstStyle>
+            <a:lvl1pPr defTabSz="4389438" eaLnBrk="0" hangingPunct="0">
+              <a:defRPr sz="2200">
+                <a:solidFill>
+                  <a:schemeClr val="tx1"/>
+                </a:solidFill>
+                <a:latin typeface="Arial" charset="0"/>
+              </a:defRPr>
+            </a:lvl1pPr>
+            <a:lvl2pPr marL="742950" indent="-285750" defTabSz="4389438" eaLnBrk="0" hangingPunct="0">
+              <a:defRPr sz="2200">
+                <a:solidFill>
+                  <a:schemeClr val="tx1"/>
+                </a:solidFill>
+                <a:latin typeface="Arial" charset="0"/>
+              </a:defRPr>
+            </a:lvl2pPr>
+            <a:lvl3pPr marL="1143000" indent="-228600" defTabSz="4389438" eaLnBrk="0" hangingPunct="0">
+              <a:defRPr sz="2200">
+                <a:solidFill>
+                  <a:schemeClr val="tx1"/>
+                </a:solidFill>
+                <a:latin typeface="Arial" charset="0"/>
+              </a:defRPr>
+            </a:lvl3pPr>
+            <a:lvl4pPr marL="1600200" indent="-228600" defTabSz="4389438" eaLnBrk="0" hangingPunct="0">
+              <a:defRPr sz="2200">
+                <a:solidFill>
+                  <a:schemeClr val="tx1"/>
+                </a:solidFill>
+                <a:latin typeface="Arial" charset="0"/>
+              </a:defRPr>
+            </a:lvl4pPr>
+            <a:lvl5pPr marL="2057400" indent="-228600" defTabSz="4389438" eaLnBrk="0" hangingPunct="0">
+              <a:defRPr sz="2200">
+                <a:solidFill>
+                  <a:schemeClr val="tx1"/>
+                </a:solidFill>
+                <a:latin typeface="Arial" charset="0"/>
+              </a:defRPr>
+            </a:lvl5pPr>
+            <a:lvl6pPr marL="2514600" indent="-228600" defTabSz="4389438" eaLnBrk="0" fontAlgn="base" hangingPunct="0">
+              <a:spcBef>
+                <a:spcPct val="0"/>
+              </a:spcBef>
+              <a:spcAft>
+                <a:spcPct val="0"/>
+              </a:spcAft>
+              <a:defRPr sz="2200">
+                <a:solidFill>
+                  <a:schemeClr val="tx1"/>
+                </a:solidFill>
+                <a:latin typeface="Arial" charset="0"/>
+              </a:defRPr>
+            </a:lvl6pPr>
+            <a:lvl7pPr marL="2971800" indent="-228600" defTabSz="4389438" eaLnBrk="0" fontAlgn="base" hangingPunct="0">
+              <a:spcBef>
+                <a:spcPct val="0"/>
+              </a:spcBef>
+              <a:spcAft>
+                <a:spcPct val="0"/>
+              </a:spcAft>
+              <a:defRPr sz="2200">
+                <a:solidFill>
+                  <a:schemeClr val="tx1"/>
+                </a:solidFill>
+                <a:latin typeface="Arial" charset="0"/>
+              </a:defRPr>
+            </a:lvl7pPr>
+            <a:lvl8pPr marL="3429000" indent="-228600" defTabSz="4389438" eaLnBrk="0" fontAlgn="base" hangingPunct="0">
+              <a:spcBef>
+                <a:spcPct val="0"/>
+              </a:spcBef>
+              <a:spcAft>
+                <a:spcPct val="0"/>
+              </a:spcAft>
+              <a:defRPr sz="2200">
+                <a:solidFill>
+                  <a:schemeClr val="tx1"/>
+                </a:solidFill>
+                <a:latin typeface="Arial" charset="0"/>
+              </a:defRPr>
+            </a:lvl8pPr>
+            <a:lvl9pPr marL="3886200" indent="-228600" defTabSz="4389438" eaLnBrk="0" fontAlgn="base" hangingPunct="0">
+              <a:spcBef>
+                <a:spcPct val="0"/>
+              </a:spcBef>
+              <a:spcAft>
+                <a:spcPct val="0"/>
+              </a:spcAft>
+              <a:defRPr sz="2200">
+                <a:solidFill>
+                  <a:schemeClr val="tx1"/>
+                </a:solidFill>
+                <a:latin typeface="Arial" charset="0"/>
+              </a:defRPr>
+            </a:lvl9pPr>
+          </a:lstStyle>
+          <a:p>
+            <a:pPr algn="ctr" eaLnBrk="1" hangingPunct="1"/>
+            <a:r>
+              <a:rPr lang="en-US" sz="2400" b="1" dirty="0">
+                <a:latin typeface="Calibri" pitchFamily="34" charset="0"/>
+              </a:rPr>
+              <a:t>Figure 4 &amp; 5.</a:t>
+            </a:r>
+            <a:r>
+              <a:rPr lang="en-US" sz="2400" dirty="0">
+                <a:latin typeface="Calibri" pitchFamily="34" charset="0"/>
+              </a:rPr>
+              <a:t> Repartition of feminist and sexist songs over the genres</a:t>
+            </a:r>
+          </a:p>
+        </p:txBody>
+      </p:sp>
+      <p:pic>
+        <p:nvPicPr>
+          <p:cNvPr id="63" name="Graphique 62">
+            <a:extLst>
+              <a:ext uri="{FF2B5EF4-FFF2-40B4-BE49-F238E27FC236}">
+                <a16:creationId xmlns:a16="http://schemas.microsoft.com/office/drawing/2014/main" id="{E9B40572-1844-41D9-B5E4-74B75B1004E7}"/>
+              </a:ext>
+            </a:extLst>
+          </p:cNvPr>
+          <p:cNvPicPr>
+            <a:picLocks noChangeAspect="1"/>
+          </p:cNvPicPr>
+          <p:nvPr/>
+        </p:nvPicPr>
+        <p:blipFill rotWithShape="1">
+          <a:blip r:embed="rId8">
+            <a:extLst>
+              <a:ext uri="{28A0092B-C50C-407E-A947-70E740481C1C}">
+                <a14:useLocalDpi xmlns:a14="http://schemas.microsoft.com/office/drawing/2010/main" val="0"/>
+              </a:ext>
+              <a:ext uri="{96DAC541-7B7A-43D3-8B79-37D633B846F1}">
+                <asvg:svgBlip xmlns:asvg="http://schemas.microsoft.com/office/drawing/2016/SVG/main" r:embed="rId9"/>
+              </a:ext>
+            </a:extLst>
+          </a:blip>
+          <a:srcRect l="5555" t="9950" r="8333"/>
+          <a:stretch/>
+        </p:blipFill>
+        <p:spPr>
+          <a:xfrm>
+            <a:off x="20125115" y="17825296"/>
+            <a:ext cx="8437739" cy="5882460"/>
+          </a:xfrm>
+          <a:prstGeom prst="rect">
+            <a:avLst/>
+          </a:prstGeom>
+        </p:spPr>
+      </p:pic>
+      <p:sp>
+        <p:nvSpPr>
+          <p:cNvPr id="64" name="Text Box 180">
+            <a:extLst>
+              <a:ext uri="{FF2B5EF4-FFF2-40B4-BE49-F238E27FC236}">
+                <a16:creationId xmlns:a16="http://schemas.microsoft.com/office/drawing/2014/main" id="{ADF4DAF8-5C1E-4766-8278-AE5245327785}"/>
+              </a:ext>
+            </a:extLst>
+          </p:cNvPr>
+          <p:cNvSpPr txBox="1">
+            <a:spLocks noChangeArrowheads="1"/>
+          </p:cNvSpPr>
+          <p:nvPr/>
+        </p:nvSpPr>
+        <p:spPr bwMode="auto">
+          <a:xfrm>
+            <a:off x="20155278" y="23606357"/>
+            <a:ext cx="8293932" cy="826483"/>
+          </a:xfrm>
+          <a:prstGeom prst="rect">
+            <a:avLst/>
+          </a:prstGeom>
+          <a:noFill/>
+          <a:ln>
+            <a:noFill/>
+          </a:ln>
+          <a:effectLst/>
+          <a:extLst>
+            <a:ext uri="{909E8E84-426E-40DD-AFC4-6F175D3DCCD1}">
+              <a14:hiddenFill xmlns:a14="http://schemas.microsoft.com/office/drawing/2010/main">
+                <a:solidFill>
+                  <a:schemeClr val="accent1"/>
+                </a:solidFill>
+              </a14:hiddenFill>
+            </a:ext>
+            <a:ext uri="{91240B29-F687-4F45-9708-019B960494DF}">
+              <a14:hiddenLine xmlns:a14="http://schemas.microsoft.com/office/drawing/2010/main" w="9525">
+                <a:solidFill>
+                  <a:schemeClr val="tx1"/>
+                </a:solidFill>
+                <a:miter lim="800000"/>
+                <a:headEnd/>
+                <a:tailEnd/>
+              </a14:hiddenLine>
+            </a:ext>
+            <a:ext uri="{AF507438-7753-43E0-B8FC-AC1667EBCBE1}">
+              <a14:hiddenEffects xmlns:a14="http://schemas.microsoft.com/office/drawing/2010/main">
+                <a:effectLst>
+                  <a:outerShdw dist="35921" dir="2700000" algn="ctr" rotWithShape="0">
+                    <a:schemeClr val="bg2"/>
+                  </a:outerShdw>
+                </a:effectLst>
+              </a14:hiddenEffects>
+            </a:ext>
+          </a:extLst>
+        </p:spPr>
+        <p:txBody>
+          <a:bodyPr wrap="square" lIns="86970" tIns="43485" rIns="86970" bIns="43485">
+            <a:spAutoFit/>
+          </a:bodyPr>
+          <a:lstStyle>
+            <a:lvl1pPr defTabSz="4389438" eaLnBrk="0" hangingPunct="0">
+              <a:defRPr sz="2200">
+                <a:solidFill>
+                  <a:schemeClr val="tx1"/>
+                </a:solidFill>
+                <a:latin typeface="Arial" charset="0"/>
+              </a:defRPr>
+            </a:lvl1pPr>
+            <a:lvl2pPr marL="742950" indent="-285750" defTabSz="4389438" eaLnBrk="0" hangingPunct="0">
+              <a:defRPr sz="2200">
+                <a:solidFill>
+                  <a:schemeClr val="tx1"/>
+                </a:solidFill>
+                <a:latin typeface="Arial" charset="0"/>
+              </a:defRPr>
+            </a:lvl2pPr>
+            <a:lvl3pPr marL="1143000" indent="-228600" defTabSz="4389438" eaLnBrk="0" hangingPunct="0">
+              <a:defRPr sz="2200">
+                <a:solidFill>
+                  <a:schemeClr val="tx1"/>
+                </a:solidFill>
+                <a:latin typeface="Arial" charset="0"/>
+              </a:defRPr>
+            </a:lvl3pPr>
+            <a:lvl4pPr marL="1600200" indent="-228600" defTabSz="4389438" eaLnBrk="0" hangingPunct="0">
+              <a:defRPr sz="2200">
+                <a:solidFill>
+                  <a:schemeClr val="tx1"/>
+                </a:solidFill>
+                <a:latin typeface="Arial" charset="0"/>
+              </a:defRPr>
+            </a:lvl4pPr>
+            <a:lvl5pPr marL="2057400" indent="-228600" defTabSz="4389438" eaLnBrk="0" hangingPunct="0">
+              <a:defRPr sz="2200">
+                <a:solidFill>
+                  <a:schemeClr val="tx1"/>
+                </a:solidFill>
+                <a:latin typeface="Arial" charset="0"/>
+              </a:defRPr>
+            </a:lvl5pPr>
+            <a:lvl6pPr marL="2514600" indent="-228600" defTabSz="4389438" eaLnBrk="0" fontAlgn="base" hangingPunct="0">
+              <a:spcBef>
+                <a:spcPct val="0"/>
+              </a:spcBef>
+              <a:spcAft>
+                <a:spcPct val="0"/>
+              </a:spcAft>
+              <a:defRPr sz="2200">
+                <a:solidFill>
+                  <a:schemeClr val="tx1"/>
+                </a:solidFill>
+                <a:latin typeface="Arial" charset="0"/>
+              </a:defRPr>
+            </a:lvl6pPr>
+            <a:lvl7pPr marL="2971800" indent="-228600" defTabSz="4389438" eaLnBrk="0" fontAlgn="base" hangingPunct="0">
+              <a:spcBef>
+                <a:spcPct val="0"/>
+              </a:spcBef>
+              <a:spcAft>
+                <a:spcPct val="0"/>
+              </a:spcAft>
+              <a:defRPr sz="2200">
+                <a:solidFill>
+                  <a:schemeClr val="tx1"/>
+                </a:solidFill>
+                <a:latin typeface="Arial" charset="0"/>
+              </a:defRPr>
+            </a:lvl7pPr>
+            <a:lvl8pPr marL="3429000" indent="-228600" defTabSz="4389438" eaLnBrk="0" fontAlgn="base" hangingPunct="0">
+              <a:spcBef>
+                <a:spcPct val="0"/>
+              </a:spcBef>
+              <a:spcAft>
+                <a:spcPct val="0"/>
+              </a:spcAft>
+              <a:defRPr sz="2200">
+                <a:solidFill>
+                  <a:schemeClr val="tx1"/>
+                </a:solidFill>
+                <a:latin typeface="Arial" charset="0"/>
+              </a:defRPr>
+            </a:lvl8pPr>
+            <a:lvl9pPr marL="3886200" indent="-228600" defTabSz="4389438" eaLnBrk="0" fontAlgn="base" hangingPunct="0">
+              <a:spcBef>
+                <a:spcPct val="0"/>
+              </a:spcBef>
+              <a:spcAft>
+                <a:spcPct val="0"/>
+              </a:spcAft>
+              <a:defRPr sz="2200">
+                <a:solidFill>
+                  <a:schemeClr val="tx1"/>
+                </a:solidFill>
+                <a:latin typeface="Arial" charset="0"/>
+              </a:defRPr>
+            </a:lvl9pPr>
+          </a:lstStyle>
+          <a:p>
+            <a:pPr eaLnBrk="1" hangingPunct="1"/>
+            <a:r>
+              <a:rPr lang="en-US" sz="2400" b="1" dirty="0">
+                <a:latin typeface="Calibri" pitchFamily="34" charset="0"/>
+              </a:rPr>
+              <a:t>Figure 7.</a:t>
+            </a:r>
+            <a:r>
+              <a:rPr lang="en-US" sz="2400" dirty="0">
+                <a:latin typeface="Calibri" pitchFamily="34" charset="0"/>
+              </a:rPr>
+              <a:t> Proportion of feminist, neutral and sexist classified songs as a function on time in pop music</a:t>
+            </a:r>
+          </a:p>
+        </p:txBody>
+      </p:sp>
+      <p:sp>
+        <p:nvSpPr>
+          <p:cNvPr id="65" name="Text Box 191">
+            <a:extLst>
+              <a:ext uri="{FF2B5EF4-FFF2-40B4-BE49-F238E27FC236}">
+                <a16:creationId xmlns:a16="http://schemas.microsoft.com/office/drawing/2014/main" id="{5A5A7334-6409-48A4-B22E-FFA1CD895630}"/>
+              </a:ext>
+            </a:extLst>
+          </p:cNvPr>
+          <p:cNvSpPr txBox="1">
+            <a:spLocks noChangeArrowheads="1"/>
+          </p:cNvSpPr>
+          <p:nvPr/>
+        </p:nvSpPr>
+        <p:spPr bwMode="auto">
+          <a:xfrm>
+            <a:off x="10959350" y="36998728"/>
+            <a:ext cx="8407576" cy="5429591"/>
+          </a:xfrm>
+          <a:prstGeom prst="rect">
+            <a:avLst/>
+          </a:prstGeom>
+          <a:solidFill>
+            <a:schemeClr val="bg1"/>
+          </a:solidFill>
+          <a:ln w="12700">
+            <a:solidFill>
+              <a:schemeClr val="accent1">
+                <a:lumMod val="75000"/>
+              </a:schemeClr>
+            </a:solidFill>
+          </a:ln>
+          <a:effectLst/>
+        </p:spPr>
+        <p:txBody>
+          <a:bodyPr lIns="173940" tIns="173940" rIns="173940" bIns="173940">
+            <a:spAutoFit/>
+          </a:bodyPr>
+          <a:lstStyle>
+            <a:lvl1pPr eaLnBrk="0" hangingPunct="0">
+              <a:defRPr sz="2200">
+                <a:solidFill>
+                  <a:schemeClr val="tx1"/>
+                </a:solidFill>
+                <a:latin typeface="Arial" charset="0"/>
+              </a:defRPr>
+            </a:lvl1pPr>
+            <a:lvl2pPr marL="742950" indent="-285750" eaLnBrk="0" hangingPunct="0">
+              <a:defRPr sz="2200">
+                <a:solidFill>
+                  <a:schemeClr val="tx1"/>
+                </a:solidFill>
+                <a:latin typeface="Arial" charset="0"/>
+              </a:defRPr>
+            </a:lvl2pPr>
+            <a:lvl3pPr marL="1143000" indent="-228600" eaLnBrk="0" hangingPunct="0">
+              <a:defRPr sz="2200">
+                <a:solidFill>
+                  <a:schemeClr val="tx1"/>
+                </a:solidFill>
+                <a:latin typeface="Arial" charset="0"/>
+              </a:defRPr>
+            </a:lvl3pPr>
+            <a:lvl4pPr marL="1600200" indent="-228600" eaLnBrk="0" hangingPunct="0">
+              <a:defRPr sz="2200">
+                <a:solidFill>
+                  <a:schemeClr val="tx1"/>
+                </a:solidFill>
+                <a:latin typeface="Arial" charset="0"/>
+              </a:defRPr>
+            </a:lvl4pPr>
+            <a:lvl5pPr marL="2057400" indent="-228600" eaLnBrk="0" hangingPunct="0">
+              <a:defRPr sz="2200">
+                <a:solidFill>
+                  <a:schemeClr val="tx1"/>
+                </a:solidFill>
+                <a:latin typeface="Arial" charset="0"/>
+              </a:defRPr>
+            </a:lvl5pPr>
+            <a:lvl6pPr marL="2514600" indent="-228600" eaLnBrk="0" fontAlgn="base" hangingPunct="0">
+              <a:spcBef>
+                <a:spcPct val="0"/>
+              </a:spcBef>
+              <a:spcAft>
+                <a:spcPct val="0"/>
+              </a:spcAft>
+              <a:defRPr sz="2200">
+                <a:solidFill>
+                  <a:schemeClr val="tx1"/>
+                </a:solidFill>
+                <a:latin typeface="Arial" charset="0"/>
+              </a:defRPr>
+            </a:lvl6pPr>
+            <a:lvl7pPr marL="2971800" indent="-228600" eaLnBrk="0" fontAlgn="base" hangingPunct="0">
+              <a:spcBef>
+                <a:spcPct val="0"/>
+              </a:spcBef>
+              <a:spcAft>
+                <a:spcPct val="0"/>
+              </a:spcAft>
+              <a:defRPr sz="2200">
+                <a:solidFill>
+                  <a:schemeClr val="tx1"/>
+                </a:solidFill>
+                <a:latin typeface="Arial" charset="0"/>
+              </a:defRPr>
+            </a:lvl7pPr>
+            <a:lvl8pPr marL="3429000" indent="-228600" eaLnBrk="0" fontAlgn="base" hangingPunct="0">
+              <a:spcBef>
+                <a:spcPct val="0"/>
+              </a:spcBef>
+              <a:spcAft>
+                <a:spcPct val="0"/>
+              </a:spcAft>
+              <a:defRPr sz="2200">
+                <a:solidFill>
+                  <a:schemeClr val="tx1"/>
+                </a:solidFill>
+                <a:latin typeface="Arial" charset="0"/>
+              </a:defRPr>
+            </a:lvl8pPr>
+            <a:lvl9pPr marL="3886200" indent="-228600" eaLnBrk="0" fontAlgn="base" hangingPunct="0">
+              <a:spcBef>
+                <a:spcPct val="0"/>
+              </a:spcBef>
+              <a:spcAft>
+                <a:spcPct val="0"/>
+              </a:spcAft>
+              <a:defRPr sz="2200">
+                <a:solidFill>
+                  <a:schemeClr val="tx1"/>
+                </a:solidFill>
+                <a:latin typeface="Arial" charset="0"/>
+              </a:defRPr>
+            </a:lvl9pPr>
+          </a:lstStyle>
+          <a:p>
+            <a:pPr eaLnBrk="1" hangingPunct="1"/>
+            <a:r>
+              <a:rPr lang="en-US" sz="3000" dirty="0">
+                <a:latin typeface="Calibri" pitchFamily="34" charset="0"/>
+              </a:rPr>
+              <a:t>Rap Music, or Hip Hop music may be known for being passionate, inspirational, expressive, or in today’s linguistics, “lit” or “fire”, it is certainly not known for being respectful to women. Many songs from the sexist playlists we scraped are Rap songs. We hypothesized that this would be the genre with the highest proportion of sexist songs before any analysis is done.</a:t>
+            </a:r>
+            <a:br>
+              <a:rPr lang="en-US" sz="3000" dirty="0">
+                <a:latin typeface="Calibri" pitchFamily="34" charset="0"/>
+              </a:rPr>
+            </a:br>
+            <a:r>
+              <a:rPr lang="en-US" sz="3000" dirty="0">
+                <a:latin typeface="Calibri" pitchFamily="34" charset="0"/>
+              </a:rPr>
+              <a:t>Even though the proportion of sexist songs are high in rap music, we see a decrease in percentage over recent years.</a:t>
+            </a:r>
+          </a:p>
+        </p:txBody>
+      </p:sp>
+      <p:sp>
+        <p:nvSpPr>
+          <p:cNvPr id="66" name="Rectangle 65">
+            <a:extLst>
+              <a:ext uri="{FF2B5EF4-FFF2-40B4-BE49-F238E27FC236}">
+                <a16:creationId xmlns:a16="http://schemas.microsoft.com/office/drawing/2014/main" id="{5B0357DB-078A-47C7-A24E-AAD5C01179C6}"/>
+              </a:ext>
+            </a:extLst>
+          </p:cNvPr>
+          <p:cNvSpPr/>
+          <p:nvPr/>
+        </p:nvSpPr>
+        <p:spPr>
+          <a:xfrm>
+            <a:off x="10959350" y="36107181"/>
+            <a:ext cx="8407576" cy="891547"/>
+          </a:xfrm>
+          <a:prstGeom prst="rect">
+            <a:avLst/>
+          </a:prstGeom>
+          <a:solidFill>
+            <a:schemeClr val="accent1">
+              <a:lumMod val="75000"/>
+            </a:schemeClr>
+          </a:solidFill>
+        </p:spPr>
+        <p:style>
+          <a:lnRef idx="2">
+            <a:schemeClr val="accent1">
+              <a:shade val="50000"/>
+            </a:schemeClr>
+          </a:lnRef>
+          <a:fillRef idx="1">
+            <a:schemeClr val="accent1"/>
+          </a:fillRef>
+          <a:effectRef idx="0">
+            <a:schemeClr val="accent1"/>
+          </a:effectRef>
+          <a:fontRef idx="minor">
+            <a:schemeClr val="lt1"/>
+          </a:fontRef>
+        </p:style>
+        <p:txBody>
+          <a:bodyPr lIns="86970" tIns="43485" rIns="86970" bIns="43485" rtlCol="0" anchor="ctr"/>
+          <a:lstStyle/>
+          <a:p>
+            <a:pPr algn="ctr"/>
+            <a:r>
+              <a:rPr lang="en-US" sz="5400" b="1" dirty="0">
+                <a:solidFill>
+                  <a:schemeClr val="accent3">
+                    <a:lumMod val="20000"/>
+                    <a:lumOff val="80000"/>
+                  </a:schemeClr>
+                </a:solidFill>
+              </a:rPr>
+              <a:t>Rap Music</a:t>
+            </a:r>
+          </a:p>
+        </p:txBody>
+      </p:sp>
+      <p:pic>
+        <p:nvPicPr>
+          <p:cNvPr id="69" name="Graphique 68">
+            <a:extLst>
+              <a:ext uri="{FF2B5EF4-FFF2-40B4-BE49-F238E27FC236}">
+                <a16:creationId xmlns:a16="http://schemas.microsoft.com/office/drawing/2014/main" id="{47B982FE-0A92-4034-917D-FA9E0912B91C}"/>
+              </a:ext>
+            </a:extLst>
+          </p:cNvPr>
+          <p:cNvPicPr>
+            <a:picLocks noChangeAspect="1"/>
+          </p:cNvPicPr>
+          <p:nvPr/>
+        </p:nvPicPr>
+        <p:blipFill rotWithShape="1">
+          <a:blip r:embed="rId10">
+            <a:extLst>
+              <a:ext uri="{28A0092B-C50C-407E-A947-70E740481C1C}">
+                <a14:useLocalDpi xmlns:a14="http://schemas.microsoft.com/office/drawing/2010/main" val="0"/>
+              </a:ext>
+              <a:ext uri="{96DAC541-7B7A-43D3-8B79-37D633B846F1}">
+                <asvg:svgBlip xmlns:asvg="http://schemas.microsoft.com/office/drawing/2016/SVG/main" r:embed="rId11"/>
+              </a:ext>
+            </a:extLst>
+          </a:blip>
+          <a:srcRect l="5799" t="10993" r="6701"/>
+          <a:stretch/>
+        </p:blipFill>
+        <p:spPr>
+          <a:xfrm>
+            <a:off x="20029738" y="6240826"/>
+            <a:ext cx="8674304" cy="5882460"/>
+          </a:xfrm>
+          <a:prstGeom prst="rect">
+            <a:avLst/>
+          </a:prstGeom>
+        </p:spPr>
+      </p:pic>
+      <p:sp>
+        <p:nvSpPr>
+          <p:cNvPr id="70" name="Text Box 180">
+            <a:extLst>
+              <a:ext uri="{FF2B5EF4-FFF2-40B4-BE49-F238E27FC236}">
+                <a16:creationId xmlns:a16="http://schemas.microsoft.com/office/drawing/2014/main" id="{F22BA494-8B79-4418-A3B2-2933F8CFA4B5}"/>
+              </a:ext>
+            </a:extLst>
+          </p:cNvPr>
+          <p:cNvSpPr txBox="1">
+            <a:spLocks noChangeArrowheads="1"/>
+          </p:cNvSpPr>
+          <p:nvPr/>
+        </p:nvSpPr>
+        <p:spPr bwMode="auto">
+          <a:xfrm>
+            <a:off x="20029738" y="12038760"/>
+            <a:ext cx="8293932" cy="826483"/>
+          </a:xfrm>
+          <a:prstGeom prst="rect">
+            <a:avLst/>
+          </a:prstGeom>
+          <a:noFill/>
+          <a:ln>
+            <a:noFill/>
+          </a:ln>
+          <a:effectLst/>
+          <a:extLst>
+            <a:ext uri="{909E8E84-426E-40DD-AFC4-6F175D3DCCD1}">
+              <a14:hiddenFill xmlns:a14="http://schemas.microsoft.com/office/drawing/2010/main">
+                <a:solidFill>
+                  <a:schemeClr val="accent1"/>
+                </a:solidFill>
+              </a14:hiddenFill>
+            </a:ext>
+            <a:ext uri="{91240B29-F687-4F45-9708-019B960494DF}">
+              <a14:hiddenLine xmlns:a14="http://schemas.microsoft.com/office/drawing/2010/main" w="9525">
+                <a:solidFill>
+                  <a:schemeClr val="tx1"/>
+                </a:solidFill>
+                <a:miter lim="800000"/>
+                <a:headEnd/>
+                <a:tailEnd/>
+              </a14:hiddenLine>
+            </a:ext>
+            <a:ext uri="{AF507438-7753-43E0-B8FC-AC1667EBCBE1}">
+              <a14:hiddenEffects xmlns:a14="http://schemas.microsoft.com/office/drawing/2010/main">
+                <a:effectLst>
+                  <a:outerShdw dist="35921" dir="2700000" algn="ctr" rotWithShape="0">
+                    <a:schemeClr val="bg2"/>
+                  </a:outerShdw>
+                </a:effectLst>
+              </a14:hiddenEffects>
+            </a:ext>
+          </a:extLst>
+        </p:spPr>
+        <p:txBody>
+          <a:bodyPr wrap="square" lIns="86970" tIns="43485" rIns="86970" bIns="43485">
+            <a:spAutoFit/>
+          </a:bodyPr>
+          <a:lstStyle>
+            <a:lvl1pPr defTabSz="4389438" eaLnBrk="0" hangingPunct="0">
+              <a:defRPr sz="2200">
+                <a:solidFill>
+                  <a:schemeClr val="tx1"/>
+                </a:solidFill>
+                <a:latin typeface="Arial" charset="0"/>
+              </a:defRPr>
+            </a:lvl1pPr>
+            <a:lvl2pPr marL="742950" indent="-285750" defTabSz="4389438" eaLnBrk="0" hangingPunct="0">
+              <a:defRPr sz="2200">
+                <a:solidFill>
+                  <a:schemeClr val="tx1"/>
+                </a:solidFill>
+                <a:latin typeface="Arial" charset="0"/>
+              </a:defRPr>
+            </a:lvl2pPr>
+            <a:lvl3pPr marL="1143000" indent="-228600" defTabSz="4389438" eaLnBrk="0" hangingPunct="0">
+              <a:defRPr sz="2200">
+                <a:solidFill>
+                  <a:schemeClr val="tx1"/>
+                </a:solidFill>
+                <a:latin typeface="Arial" charset="0"/>
+              </a:defRPr>
+            </a:lvl3pPr>
+            <a:lvl4pPr marL="1600200" indent="-228600" defTabSz="4389438" eaLnBrk="0" hangingPunct="0">
+              <a:defRPr sz="2200">
+                <a:solidFill>
+                  <a:schemeClr val="tx1"/>
+                </a:solidFill>
+                <a:latin typeface="Arial" charset="0"/>
+              </a:defRPr>
+            </a:lvl4pPr>
+            <a:lvl5pPr marL="2057400" indent="-228600" defTabSz="4389438" eaLnBrk="0" hangingPunct="0">
+              <a:defRPr sz="2200">
+                <a:solidFill>
+                  <a:schemeClr val="tx1"/>
+                </a:solidFill>
+                <a:latin typeface="Arial" charset="0"/>
+              </a:defRPr>
+            </a:lvl5pPr>
+            <a:lvl6pPr marL="2514600" indent="-228600" defTabSz="4389438" eaLnBrk="0" fontAlgn="base" hangingPunct="0">
+              <a:spcBef>
+                <a:spcPct val="0"/>
+              </a:spcBef>
+              <a:spcAft>
+                <a:spcPct val="0"/>
+              </a:spcAft>
+              <a:defRPr sz="2200">
+                <a:solidFill>
+                  <a:schemeClr val="tx1"/>
+                </a:solidFill>
+                <a:latin typeface="Arial" charset="0"/>
+              </a:defRPr>
+            </a:lvl6pPr>
+            <a:lvl7pPr marL="2971800" indent="-228600" defTabSz="4389438" eaLnBrk="0" fontAlgn="base" hangingPunct="0">
+              <a:spcBef>
+                <a:spcPct val="0"/>
+              </a:spcBef>
+              <a:spcAft>
+                <a:spcPct val="0"/>
+              </a:spcAft>
+              <a:defRPr sz="2200">
+                <a:solidFill>
+                  <a:schemeClr val="tx1"/>
+                </a:solidFill>
+                <a:latin typeface="Arial" charset="0"/>
+              </a:defRPr>
+            </a:lvl7pPr>
+            <a:lvl8pPr marL="3429000" indent="-228600" defTabSz="4389438" eaLnBrk="0" fontAlgn="base" hangingPunct="0">
+              <a:spcBef>
+                <a:spcPct val="0"/>
+              </a:spcBef>
+              <a:spcAft>
+                <a:spcPct val="0"/>
+              </a:spcAft>
+              <a:defRPr sz="2200">
+                <a:solidFill>
+                  <a:schemeClr val="tx1"/>
+                </a:solidFill>
+                <a:latin typeface="Arial" charset="0"/>
+              </a:defRPr>
+            </a:lvl8pPr>
+            <a:lvl9pPr marL="3886200" indent="-228600" defTabSz="4389438" eaLnBrk="0" fontAlgn="base" hangingPunct="0">
+              <a:spcBef>
+                <a:spcPct val="0"/>
+              </a:spcBef>
+              <a:spcAft>
+                <a:spcPct val="0"/>
+              </a:spcAft>
+              <a:defRPr sz="2200">
+                <a:solidFill>
+                  <a:schemeClr val="tx1"/>
+                </a:solidFill>
+                <a:latin typeface="Arial" charset="0"/>
+              </a:defRPr>
+            </a:lvl9pPr>
+          </a:lstStyle>
+          <a:p>
+            <a:pPr eaLnBrk="1" hangingPunct="1"/>
+            <a:r>
+              <a:rPr lang="en-US" sz="2400" b="1" dirty="0">
+                <a:latin typeface="Calibri" pitchFamily="34" charset="0"/>
+              </a:rPr>
+              <a:t>Figure 6.</a:t>
+            </a:r>
+            <a:r>
+              <a:rPr lang="en-US" sz="2400" dirty="0">
+                <a:latin typeface="Calibri" pitchFamily="34" charset="0"/>
+              </a:rPr>
+              <a:t> Proportion of feminist, neutral and sexist classified songs as a function on time in rap music</a:t>
+            </a:r>
+          </a:p>
+        </p:txBody>
+      </p:sp>
+      <p:pic>
+        <p:nvPicPr>
+          <p:cNvPr id="74" name="Graphique 73">
+            <a:extLst>
+              <a:ext uri="{FF2B5EF4-FFF2-40B4-BE49-F238E27FC236}">
+                <a16:creationId xmlns:a16="http://schemas.microsoft.com/office/drawing/2014/main" id="{6BFA3B01-1572-45AA-9B95-18188C73C720}"/>
+              </a:ext>
+            </a:extLst>
+          </p:cNvPr>
+          <p:cNvPicPr>
+            <a:picLocks noChangeAspect="1"/>
+          </p:cNvPicPr>
+          <p:nvPr/>
+        </p:nvPicPr>
+        <p:blipFill rotWithShape="1">
+          <a:blip r:embed="rId12">
+            <a:extLst>
+              <a:ext uri="{28A0092B-C50C-407E-A947-70E740481C1C}">
+                <a14:useLocalDpi xmlns:a14="http://schemas.microsoft.com/office/drawing/2010/main" val="0"/>
+              </a:ext>
+              <a:ext uri="{96DAC541-7B7A-43D3-8B79-37D633B846F1}">
+                <asvg:svgBlip xmlns:asvg="http://schemas.microsoft.com/office/drawing/2016/SVG/main" r:embed="rId13"/>
+              </a:ext>
+            </a:extLst>
+          </a:blip>
+          <a:srcRect l="10048" t="72799" r="54688" b="2770"/>
+          <a:stretch/>
+        </p:blipFill>
+        <p:spPr>
+          <a:xfrm>
+            <a:off x="15362237" y="7681119"/>
+            <a:ext cx="3970902" cy="3890829"/>
+          </a:xfrm>
+          <a:prstGeom prst="rect">
+            <a:avLst/>
+          </a:prstGeom>
+        </p:spPr>
+      </p:pic>
+      <p:pic>
+        <p:nvPicPr>
+          <p:cNvPr id="76" name="Graphique 75">
+            <a:extLst>
+              <a:ext uri="{FF2B5EF4-FFF2-40B4-BE49-F238E27FC236}">
+                <a16:creationId xmlns:a16="http://schemas.microsoft.com/office/drawing/2014/main" id="{C3D258C2-FDF0-4D19-871B-EEC9E4391645}"/>
+              </a:ext>
+            </a:extLst>
+          </p:cNvPr>
+          <p:cNvPicPr>
+            <a:picLocks noChangeAspect="1"/>
+          </p:cNvPicPr>
+          <p:nvPr/>
+        </p:nvPicPr>
+        <p:blipFill rotWithShape="1">
+          <a:blip r:embed="rId14">
+            <a:extLst>
+              <a:ext uri="{28A0092B-C50C-407E-A947-70E740481C1C}">
+                <a14:useLocalDpi xmlns:a14="http://schemas.microsoft.com/office/drawing/2010/main" val="0"/>
+              </a:ext>
+              <a:ext uri="{96DAC541-7B7A-43D3-8B79-37D633B846F1}">
+                <asvg:svgBlip xmlns:asvg="http://schemas.microsoft.com/office/drawing/2016/SVG/main" r:embed="rId15"/>
+              </a:ext>
+            </a:extLst>
+          </a:blip>
+          <a:srcRect l="8690" t="69139" r="56601" b="3011"/>
+          <a:stretch/>
+        </p:blipFill>
+        <p:spPr>
+          <a:xfrm>
+            <a:off x="10915719" y="29704174"/>
+            <a:ext cx="4389695" cy="4981719"/>
+          </a:xfrm>
+          <a:prstGeom prst="rect">
+            <a:avLst/>
+          </a:prstGeom>
+        </p:spPr>
+      </p:pic>
+      <p:pic>
+        <p:nvPicPr>
+          <p:cNvPr id="78" name="Graphique 77">
+            <a:extLst>
+              <a:ext uri="{FF2B5EF4-FFF2-40B4-BE49-F238E27FC236}">
+                <a16:creationId xmlns:a16="http://schemas.microsoft.com/office/drawing/2014/main" id="{9E12E909-B4F5-4C78-B8ED-CC75C41C7C9E}"/>
+              </a:ext>
+            </a:extLst>
+          </p:cNvPr>
+          <p:cNvPicPr>
+            <a:picLocks noChangeAspect="1"/>
+          </p:cNvPicPr>
+          <p:nvPr/>
+        </p:nvPicPr>
+        <p:blipFill rotWithShape="1">
+          <a:blip r:embed="rId16">
+            <a:extLst>
+              <a:ext uri="{28A0092B-C50C-407E-A947-70E740481C1C}">
+                <a14:useLocalDpi xmlns:a14="http://schemas.microsoft.com/office/drawing/2010/main" val="0"/>
+              </a:ext>
+              <a:ext uri="{96DAC541-7B7A-43D3-8B79-37D633B846F1}">
+                <asvg:svgBlip xmlns:asvg="http://schemas.microsoft.com/office/drawing/2016/SVG/main" r:embed="rId17"/>
+              </a:ext>
+            </a:extLst>
+          </a:blip>
+          <a:srcRect l="17202" t="66866" r="49390" b="6063"/>
+          <a:stretch/>
+        </p:blipFill>
+        <p:spPr>
+          <a:xfrm>
+            <a:off x="15168171" y="29867809"/>
+            <a:ext cx="4301204" cy="4929324"/>
+          </a:xfrm>
+          <a:prstGeom prst="rect">
+            <a:avLst/>
+          </a:prstGeom>
+        </p:spPr>
+      </p:pic>
+      <p:pic>
+        <p:nvPicPr>
+          <p:cNvPr id="80" name="Graphique 79">
+            <a:extLst>
+              <a:ext uri="{FF2B5EF4-FFF2-40B4-BE49-F238E27FC236}">
+                <a16:creationId xmlns:a16="http://schemas.microsoft.com/office/drawing/2014/main" id="{B60A8DCF-B314-4F31-8A2F-04314695B18D}"/>
+              </a:ext>
+            </a:extLst>
+          </p:cNvPr>
+          <p:cNvPicPr>
+            <a:picLocks noChangeAspect="1"/>
+          </p:cNvPicPr>
+          <p:nvPr/>
+        </p:nvPicPr>
+        <p:blipFill rotWithShape="1">
+          <a:blip r:embed="rId18">
+            <a:extLst>
+              <a:ext uri="{28A0092B-C50C-407E-A947-70E740481C1C}">
+                <a14:useLocalDpi xmlns:a14="http://schemas.microsoft.com/office/drawing/2010/main" val="0"/>
+              </a:ext>
+              <a:ext uri="{96DAC541-7B7A-43D3-8B79-37D633B846F1}">
+                <asvg:svgBlip xmlns:asvg="http://schemas.microsoft.com/office/drawing/2016/SVG/main" r:embed="rId19"/>
+              </a:ext>
+            </a:extLst>
+          </a:blip>
+          <a:srcRect l="5968" t="10851" r="7671"/>
+          <a:stretch/>
+        </p:blipFill>
+        <p:spPr>
+          <a:xfrm>
+            <a:off x="20125115" y="28549478"/>
+            <a:ext cx="8417385" cy="5792709"/>
+          </a:xfrm>
+          <a:prstGeom prst="rect">
+            <a:avLst/>
+          </a:prstGeom>
+        </p:spPr>
+      </p:pic>
+      <p:sp>
+        <p:nvSpPr>
+          <p:cNvPr id="81" name="Text Box 191">
+            <a:extLst>
+              <a:ext uri="{FF2B5EF4-FFF2-40B4-BE49-F238E27FC236}">
+                <a16:creationId xmlns:a16="http://schemas.microsoft.com/office/drawing/2014/main" id="{95C41991-62B4-4835-8688-357F001A0097}"/>
+              </a:ext>
+            </a:extLst>
+          </p:cNvPr>
+          <p:cNvSpPr txBox="1">
+            <a:spLocks noChangeArrowheads="1"/>
+          </p:cNvSpPr>
+          <p:nvPr/>
+        </p:nvSpPr>
+        <p:spPr bwMode="auto">
+          <a:xfrm>
+            <a:off x="20178184" y="25610144"/>
+            <a:ext cx="8407576" cy="2659601"/>
+          </a:xfrm>
+          <a:prstGeom prst="rect">
+            <a:avLst/>
+          </a:prstGeom>
+          <a:solidFill>
+            <a:schemeClr val="bg1"/>
+          </a:solidFill>
+          <a:ln w="12700">
+            <a:solidFill>
+              <a:schemeClr val="accent1">
+                <a:lumMod val="75000"/>
+              </a:schemeClr>
+            </a:solidFill>
+          </a:ln>
+          <a:effectLst/>
+        </p:spPr>
+        <p:txBody>
+          <a:bodyPr lIns="173940" tIns="173940" rIns="173940" bIns="173940">
+            <a:spAutoFit/>
+          </a:bodyPr>
+          <a:lstStyle>
+            <a:lvl1pPr eaLnBrk="0" hangingPunct="0">
+              <a:defRPr sz="2200">
+                <a:solidFill>
+                  <a:schemeClr val="tx1"/>
+                </a:solidFill>
+                <a:latin typeface="Arial" charset="0"/>
+              </a:defRPr>
+            </a:lvl1pPr>
+            <a:lvl2pPr marL="742950" indent="-285750" eaLnBrk="0" hangingPunct="0">
+              <a:defRPr sz="2200">
+                <a:solidFill>
+                  <a:schemeClr val="tx1"/>
+                </a:solidFill>
+                <a:latin typeface="Arial" charset="0"/>
+              </a:defRPr>
+            </a:lvl2pPr>
+            <a:lvl3pPr marL="1143000" indent="-228600" eaLnBrk="0" hangingPunct="0">
+              <a:defRPr sz="2200">
+                <a:solidFill>
+                  <a:schemeClr val="tx1"/>
+                </a:solidFill>
+                <a:latin typeface="Arial" charset="0"/>
+              </a:defRPr>
+            </a:lvl3pPr>
+            <a:lvl4pPr marL="1600200" indent="-228600" eaLnBrk="0" hangingPunct="0">
+              <a:defRPr sz="2200">
+                <a:solidFill>
+                  <a:schemeClr val="tx1"/>
+                </a:solidFill>
+                <a:latin typeface="Arial" charset="0"/>
+              </a:defRPr>
+            </a:lvl4pPr>
+            <a:lvl5pPr marL="2057400" indent="-228600" eaLnBrk="0" hangingPunct="0">
+              <a:defRPr sz="2200">
+                <a:solidFill>
+                  <a:schemeClr val="tx1"/>
+                </a:solidFill>
+                <a:latin typeface="Arial" charset="0"/>
+              </a:defRPr>
+            </a:lvl5pPr>
+            <a:lvl6pPr marL="2514600" indent="-228600" eaLnBrk="0" fontAlgn="base" hangingPunct="0">
+              <a:spcBef>
+                <a:spcPct val="0"/>
+              </a:spcBef>
+              <a:spcAft>
+                <a:spcPct val="0"/>
+              </a:spcAft>
+              <a:defRPr sz="2200">
+                <a:solidFill>
+                  <a:schemeClr val="tx1"/>
+                </a:solidFill>
+                <a:latin typeface="Arial" charset="0"/>
+              </a:defRPr>
+            </a:lvl6pPr>
+            <a:lvl7pPr marL="2971800" indent="-228600" eaLnBrk="0" fontAlgn="base" hangingPunct="0">
+              <a:spcBef>
+                <a:spcPct val="0"/>
+              </a:spcBef>
+              <a:spcAft>
+                <a:spcPct val="0"/>
+              </a:spcAft>
+              <a:defRPr sz="2200">
+                <a:solidFill>
+                  <a:schemeClr val="tx1"/>
+                </a:solidFill>
+                <a:latin typeface="Arial" charset="0"/>
+              </a:defRPr>
+            </a:lvl7pPr>
+            <a:lvl8pPr marL="3429000" indent="-228600" eaLnBrk="0" fontAlgn="base" hangingPunct="0">
+              <a:spcBef>
+                <a:spcPct val="0"/>
+              </a:spcBef>
+              <a:spcAft>
+                <a:spcPct val="0"/>
+              </a:spcAft>
+              <a:defRPr sz="2200">
+                <a:solidFill>
+                  <a:schemeClr val="tx1"/>
+                </a:solidFill>
+                <a:latin typeface="Arial" charset="0"/>
+              </a:defRPr>
+            </a:lvl8pPr>
+            <a:lvl9pPr marL="3886200" indent="-228600" eaLnBrk="0" fontAlgn="base" hangingPunct="0">
+              <a:spcBef>
+                <a:spcPct val="0"/>
+              </a:spcBef>
+              <a:spcAft>
+                <a:spcPct val="0"/>
+              </a:spcAft>
+              <a:defRPr sz="2200">
+                <a:solidFill>
+                  <a:schemeClr val="tx1"/>
+                </a:solidFill>
+                <a:latin typeface="Arial" charset="0"/>
+              </a:defRPr>
+            </a:lvl9pPr>
+          </a:lstStyle>
+          <a:p>
+            <a:pPr eaLnBrk="1" hangingPunct="1"/>
+            <a:r>
+              <a:rPr lang="en-US" sz="3000" dirty="0">
+                <a:latin typeface="Calibri" pitchFamily="34" charset="0"/>
+              </a:rPr>
+              <a:t>We can see that Rock music is fairly feminist, having a steady increase of women empowering songs. Although the proportion of the latter varies throughout the years, it does not leave the 20% ~ 30% interval.</a:t>
+            </a:r>
+          </a:p>
+        </p:txBody>
+      </p:sp>
+      <p:sp>
+        <p:nvSpPr>
+          <p:cNvPr id="82" name="Rectangle 81">
+            <a:extLst>
+              <a:ext uri="{FF2B5EF4-FFF2-40B4-BE49-F238E27FC236}">
+                <a16:creationId xmlns:a16="http://schemas.microsoft.com/office/drawing/2014/main" id="{3ED059D6-6402-4278-8158-8E71B19DE268}"/>
+              </a:ext>
+            </a:extLst>
+          </p:cNvPr>
+          <p:cNvSpPr/>
+          <p:nvPr/>
+        </p:nvSpPr>
+        <p:spPr>
+          <a:xfrm>
+            <a:off x="20178184" y="24718597"/>
+            <a:ext cx="8407576" cy="891547"/>
+          </a:xfrm>
+          <a:prstGeom prst="rect">
+            <a:avLst/>
+          </a:prstGeom>
+          <a:solidFill>
+            <a:schemeClr val="accent1">
+              <a:lumMod val="75000"/>
+            </a:schemeClr>
+          </a:solidFill>
+        </p:spPr>
+        <p:style>
+          <a:lnRef idx="2">
+            <a:schemeClr val="accent1">
+              <a:shade val="50000"/>
+            </a:schemeClr>
+          </a:lnRef>
+          <a:fillRef idx="1">
+            <a:schemeClr val="accent1"/>
+          </a:fillRef>
+          <a:effectRef idx="0">
+            <a:schemeClr val="accent1"/>
+          </a:effectRef>
+          <a:fontRef idx="minor">
+            <a:schemeClr val="lt1"/>
+          </a:fontRef>
+        </p:style>
+        <p:txBody>
+          <a:bodyPr lIns="86970" tIns="43485" rIns="86970" bIns="43485" rtlCol="0" anchor="ctr"/>
+          <a:lstStyle/>
+          <a:p>
+            <a:pPr algn="ctr"/>
+            <a:r>
+              <a:rPr lang="en-US" sz="5400" b="1" dirty="0">
+                <a:solidFill>
+                  <a:schemeClr val="accent3">
+                    <a:lumMod val="20000"/>
+                    <a:lumOff val="80000"/>
+                  </a:schemeClr>
+                </a:solidFill>
+              </a:rPr>
+              <a:t>Rock Music</a:t>
+            </a:r>
+          </a:p>
+        </p:txBody>
+      </p:sp>
+      <p:sp>
+        <p:nvSpPr>
+          <p:cNvPr id="83" name="Text Box 180">
+            <a:extLst>
+              <a:ext uri="{FF2B5EF4-FFF2-40B4-BE49-F238E27FC236}">
+                <a16:creationId xmlns:a16="http://schemas.microsoft.com/office/drawing/2014/main" id="{0BE8701B-FCB3-4B17-A575-F8265AA26450}"/>
+              </a:ext>
+            </a:extLst>
+          </p:cNvPr>
+          <p:cNvSpPr txBox="1">
+            <a:spLocks noChangeArrowheads="1"/>
+          </p:cNvSpPr>
+          <p:nvPr/>
+        </p:nvSpPr>
+        <p:spPr bwMode="auto">
+          <a:xfrm>
+            <a:off x="20410110" y="34278017"/>
+            <a:ext cx="8293932" cy="826483"/>
+          </a:xfrm>
+          <a:prstGeom prst="rect">
+            <a:avLst/>
+          </a:prstGeom>
+          <a:noFill/>
+          <a:ln>
+            <a:noFill/>
+          </a:ln>
+          <a:effectLst/>
+          <a:extLst>
+            <a:ext uri="{909E8E84-426E-40DD-AFC4-6F175D3DCCD1}">
+              <a14:hiddenFill xmlns:a14="http://schemas.microsoft.com/office/drawing/2010/main">
+                <a:solidFill>
+                  <a:schemeClr val="accent1"/>
+                </a:solidFill>
+              </a14:hiddenFill>
+            </a:ext>
+            <a:ext uri="{91240B29-F687-4F45-9708-019B960494DF}">
+              <a14:hiddenLine xmlns:a14="http://schemas.microsoft.com/office/drawing/2010/main" w="9525">
+                <a:solidFill>
+                  <a:schemeClr val="tx1"/>
+                </a:solidFill>
+                <a:miter lim="800000"/>
+                <a:headEnd/>
+                <a:tailEnd/>
+              </a14:hiddenLine>
+            </a:ext>
+            <a:ext uri="{AF507438-7753-43E0-B8FC-AC1667EBCBE1}">
+              <a14:hiddenEffects xmlns:a14="http://schemas.microsoft.com/office/drawing/2010/main">
+                <a:effectLst>
+                  <a:outerShdw dist="35921" dir="2700000" algn="ctr" rotWithShape="0">
+                    <a:schemeClr val="bg2"/>
+                  </a:outerShdw>
+                </a:effectLst>
+              </a14:hiddenEffects>
+            </a:ext>
+          </a:extLst>
+        </p:spPr>
+        <p:txBody>
+          <a:bodyPr wrap="square" lIns="86970" tIns="43485" rIns="86970" bIns="43485">
+            <a:spAutoFit/>
+          </a:bodyPr>
+          <a:lstStyle>
+            <a:lvl1pPr defTabSz="4389438" eaLnBrk="0" hangingPunct="0">
+              <a:defRPr sz="2200">
+                <a:solidFill>
+                  <a:schemeClr val="tx1"/>
+                </a:solidFill>
+                <a:latin typeface="Arial" charset="0"/>
+              </a:defRPr>
+            </a:lvl1pPr>
+            <a:lvl2pPr marL="742950" indent="-285750" defTabSz="4389438" eaLnBrk="0" hangingPunct="0">
+              <a:defRPr sz="2200">
+                <a:solidFill>
+                  <a:schemeClr val="tx1"/>
+                </a:solidFill>
+                <a:latin typeface="Arial" charset="0"/>
+              </a:defRPr>
+            </a:lvl2pPr>
+            <a:lvl3pPr marL="1143000" indent="-228600" defTabSz="4389438" eaLnBrk="0" hangingPunct="0">
+              <a:defRPr sz="2200">
+                <a:solidFill>
+                  <a:schemeClr val="tx1"/>
+                </a:solidFill>
+                <a:latin typeface="Arial" charset="0"/>
+              </a:defRPr>
+            </a:lvl3pPr>
+            <a:lvl4pPr marL="1600200" indent="-228600" defTabSz="4389438" eaLnBrk="0" hangingPunct="0">
+              <a:defRPr sz="2200">
+                <a:solidFill>
+                  <a:schemeClr val="tx1"/>
+                </a:solidFill>
+                <a:latin typeface="Arial" charset="0"/>
+              </a:defRPr>
+            </a:lvl4pPr>
+            <a:lvl5pPr marL="2057400" indent="-228600" defTabSz="4389438" eaLnBrk="0" hangingPunct="0">
+              <a:defRPr sz="2200">
+                <a:solidFill>
+                  <a:schemeClr val="tx1"/>
+                </a:solidFill>
+                <a:latin typeface="Arial" charset="0"/>
+              </a:defRPr>
+            </a:lvl5pPr>
+            <a:lvl6pPr marL="2514600" indent="-228600" defTabSz="4389438" eaLnBrk="0" fontAlgn="base" hangingPunct="0">
+              <a:spcBef>
+                <a:spcPct val="0"/>
+              </a:spcBef>
+              <a:spcAft>
+                <a:spcPct val="0"/>
+              </a:spcAft>
+              <a:defRPr sz="2200">
+                <a:solidFill>
+                  <a:schemeClr val="tx1"/>
+                </a:solidFill>
+                <a:latin typeface="Arial" charset="0"/>
+              </a:defRPr>
+            </a:lvl6pPr>
+            <a:lvl7pPr marL="2971800" indent="-228600" defTabSz="4389438" eaLnBrk="0" fontAlgn="base" hangingPunct="0">
+              <a:spcBef>
+                <a:spcPct val="0"/>
+              </a:spcBef>
+              <a:spcAft>
+                <a:spcPct val="0"/>
+              </a:spcAft>
+              <a:defRPr sz="2200">
+                <a:solidFill>
+                  <a:schemeClr val="tx1"/>
+                </a:solidFill>
+                <a:latin typeface="Arial" charset="0"/>
+              </a:defRPr>
+            </a:lvl7pPr>
+            <a:lvl8pPr marL="3429000" indent="-228600" defTabSz="4389438" eaLnBrk="0" fontAlgn="base" hangingPunct="0">
+              <a:spcBef>
+                <a:spcPct val="0"/>
+              </a:spcBef>
+              <a:spcAft>
+                <a:spcPct val="0"/>
+              </a:spcAft>
+              <a:defRPr sz="2200">
+                <a:solidFill>
+                  <a:schemeClr val="tx1"/>
+                </a:solidFill>
+                <a:latin typeface="Arial" charset="0"/>
+              </a:defRPr>
+            </a:lvl8pPr>
+            <a:lvl9pPr marL="3886200" indent="-228600" defTabSz="4389438" eaLnBrk="0" fontAlgn="base" hangingPunct="0">
+              <a:spcBef>
+                <a:spcPct val="0"/>
+              </a:spcBef>
+              <a:spcAft>
+                <a:spcPct val="0"/>
+              </a:spcAft>
+              <a:defRPr sz="2200">
+                <a:solidFill>
+                  <a:schemeClr val="tx1"/>
+                </a:solidFill>
+                <a:latin typeface="Arial" charset="0"/>
+              </a:defRPr>
+            </a:lvl9pPr>
+          </a:lstStyle>
+          <a:p>
+            <a:pPr eaLnBrk="1" hangingPunct="1"/>
+            <a:r>
+              <a:rPr lang="en-US" sz="2400" b="1" dirty="0">
+                <a:latin typeface="Calibri" pitchFamily="34" charset="0"/>
+              </a:rPr>
+              <a:t>Figure 8.</a:t>
+            </a:r>
+            <a:r>
+              <a:rPr lang="en-US" sz="2400" dirty="0">
+                <a:latin typeface="Calibri" pitchFamily="34" charset="0"/>
+              </a:rPr>
+              <a:t> Proportion of feminist, neutral and sexist classified songs as a function on time in rock music</a:t>
+            </a:r>
+          </a:p>
+        </p:txBody>
+      </p:sp>
     </p:spTree>
     <p:extLst>
       <p:ext uri="{BB962C8B-B14F-4D97-AF65-F5344CB8AC3E}">
